--- a/18.08_introduction.pptx
+++ b/18.08_introduction.pptx
@@ -463,6 +463,678 @@
     </pc:docChg>
   </pc:docChgLst>
   <pc:docChgLst>
+    <pc:chgData name="哲畅 薛" userId="45e028c3e641bd70" providerId="LiveId" clId="{29048D89-392C-4136-AD43-A5D50A0C1218}"/>
+    <pc:docChg chg="undo redo custSel addSld delSld modSld sldOrd">
+      <pc:chgData name="哲畅 薛" userId="45e028c3e641bd70" providerId="LiveId" clId="{29048D89-392C-4136-AD43-A5D50A0C1218}" dt="2023-07-07T02:20:13.570" v="2511" actId="1076"/>
+      <pc:docMkLst>
+        <pc:docMk/>
+      </pc:docMkLst>
+      <pc:sldChg chg="modSp mod">
+        <pc:chgData name="哲畅 薛" userId="45e028c3e641bd70" providerId="LiveId" clId="{29048D89-392C-4136-AD43-A5D50A0C1218}" dt="2023-07-03T10:21:05.708" v="2181" actId="20577"/>
+        <pc:sldMkLst>
+          <pc:docMk/>
+          <pc:sldMk cId="0" sldId="264"/>
+        </pc:sldMkLst>
+        <pc:spChg chg="mod">
+          <ac:chgData name="哲畅 薛" userId="45e028c3e641bd70" providerId="LiveId" clId="{29048D89-392C-4136-AD43-A5D50A0C1218}" dt="2023-07-03T10:21:05.708" v="2181" actId="20577"/>
+          <ac:spMkLst>
+            <pc:docMk/>
+            <pc:sldMk cId="0" sldId="264"/>
+            <ac:spMk id="30724" creationId="{00000000-0000-0000-0000-000000000000}"/>
+          </ac:spMkLst>
+        </pc:spChg>
+      </pc:sldChg>
+      <pc:sldChg chg="addSp delSp modSp mod">
+        <pc:chgData name="哲畅 薛" userId="45e028c3e641bd70" providerId="LiveId" clId="{29048D89-392C-4136-AD43-A5D50A0C1218}" dt="2023-07-06T23:15:08.532" v="2239" actId="20577"/>
+        <pc:sldMkLst>
+          <pc:docMk/>
+          <pc:sldMk cId="1754662791" sldId="266"/>
+        </pc:sldMkLst>
+        <pc:spChg chg="mod">
+          <ac:chgData name="哲畅 薛" userId="45e028c3e641bd70" providerId="LiveId" clId="{29048D89-392C-4136-AD43-A5D50A0C1218}" dt="2023-07-06T23:15:08.532" v="2239" actId="20577"/>
+          <ac:spMkLst>
+            <pc:docMk/>
+            <pc:sldMk cId="1754662791" sldId="266"/>
+            <ac:spMk id="3" creationId="{49A7830E-6D9B-EC49-9016-BD2272F775B6}"/>
+          </ac:spMkLst>
+        </pc:spChg>
+        <pc:spChg chg="add mod">
+          <ac:chgData name="哲畅 薛" userId="45e028c3e641bd70" providerId="LiveId" clId="{29048D89-392C-4136-AD43-A5D50A0C1218}" dt="2023-07-05T12:44:58.241" v="2198"/>
+          <ac:spMkLst>
+            <pc:docMk/>
+            <pc:sldMk cId="1754662791" sldId="266"/>
+            <ac:spMk id="4" creationId="{D55DC427-DEEE-8AB5-4DB6-B346989D4880}"/>
+          </ac:spMkLst>
+        </pc:spChg>
+        <pc:spChg chg="del mod">
+          <ac:chgData name="哲畅 薛" userId="45e028c3e641bd70" providerId="LiveId" clId="{29048D89-392C-4136-AD43-A5D50A0C1218}" dt="2023-07-05T12:44:56.467" v="2197" actId="478"/>
+          <ac:spMkLst>
+            <pc:docMk/>
+            <pc:sldMk cId="1754662791" sldId="266"/>
+            <ac:spMk id="7" creationId="{03878157-6918-D59A-3789-8DC2EB8E6F0C}"/>
+          </ac:spMkLst>
+        </pc:spChg>
+      </pc:sldChg>
+      <pc:sldChg chg="addSp delSp modSp mod">
+        <pc:chgData name="哲畅 薛" userId="45e028c3e641bd70" providerId="LiveId" clId="{29048D89-392C-4136-AD43-A5D50A0C1218}" dt="2023-07-05T12:44:42.062" v="2195"/>
+        <pc:sldMkLst>
+          <pc:docMk/>
+          <pc:sldMk cId="116020795" sldId="267"/>
+        </pc:sldMkLst>
+        <pc:spChg chg="mod">
+          <ac:chgData name="哲畅 薛" userId="45e028c3e641bd70" providerId="LiveId" clId="{29048D89-392C-4136-AD43-A5D50A0C1218}" dt="2023-06-27T19:45:42.341" v="8" actId="1076"/>
+          <ac:spMkLst>
+            <pc:docMk/>
+            <pc:sldMk cId="116020795" sldId="267"/>
+            <ac:spMk id="2" creationId="{D77A0549-EC48-084B-9491-8DBCF5888C38}"/>
+          </ac:spMkLst>
+        </pc:spChg>
+        <pc:spChg chg="mod">
+          <ac:chgData name="哲畅 薛" userId="45e028c3e641bd70" providerId="LiveId" clId="{29048D89-392C-4136-AD43-A5D50A0C1218}" dt="2023-06-27T19:45:44.153" v="10" actId="20577"/>
+          <ac:spMkLst>
+            <pc:docMk/>
+            <pc:sldMk cId="116020795" sldId="267"/>
+            <ac:spMk id="5" creationId="{445D3820-0C66-D04D-9162-C3447D297A63}"/>
+          </ac:spMkLst>
+        </pc:spChg>
+        <pc:spChg chg="del mod">
+          <ac:chgData name="哲畅 薛" userId="45e028c3e641bd70" providerId="LiveId" clId="{29048D89-392C-4136-AD43-A5D50A0C1218}" dt="2023-07-05T01:29:44.110" v="2190" actId="478"/>
+          <ac:spMkLst>
+            <pc:docMk/>
+            <pc:sldMk cId="116020795" sldId="267"/>
+            <ac:spMk id="7" creationId="{03878157-6918-D59A-3789-8DC2EB8E6F0C}"/>
+          </ac:spMkLst>
+        </pc:spChg>
+        <pc:spChg chg="add del mod">
+          <ac:chgData name="哲畅 薛" userId="45e028c3e641bd70" providerId="LiveId" clId="{29048D89-392C-4136-AD43-A5D50A0C1218}" dt="2023-07-05T01:29:40.498" v="2188"/>
+          <ac:spMkLst>
+            <pc:docMk/>
+            <pc:sldMk cId="116020795" sldId="267"/>
+            <ac:spMk id="13" creationId="{1EF85A5C-2D3C-6C88-E78C-B2C9C68CA95D}"/>
+          </ac:spMkLst>
+        </pc:spChg>
+        <pc:spChg chg="add mod">
+          <ac:chgData name="哲畅 薛" userId="45e028c3e641bd70" providerId="LiveId" clId="{29048D89-392C-4136-AD43-A5D50A0C1218}" dt="2023-07-05T12:44:42.062" v="2195"/>
+          <ac:spMkLst>
+            <pc:docMk/>
+            <pc:sldMk cId="116020795" sldId="267"/>
+            <ac:spMk id="14" creationId="{BCD26F04-2B98-4133-8263-2108F734D2BE}"/>
+          </ac:spMkLst>
+        </pc:spChg>
+        <pc:spChg chg="add del mod">
+          <ac:chgData name="哲畅 薛" userId="45e028c3e641bd70" providerId="LiveId" clId="{29048D89-392C-4136-AD43-A5D50A0C1218}" dt="2023-07-05T12:44:40.358" v="2194" actId="478"/>
+          <ac:spMkLst>
+            <pc:docMk/>
+            <pc:sldMk cId="116020795" sldId="267"/>
+            <ac:spMk id="15" creationId="{9C334205-BEE3-0D12-6D7F-937F0ED3D122}"/>
+          </ac:spMkLst>
+        </pc:spChg>
+      </pc:sldChg>
+      <pc:sldChg chg="addSp delSp modSp mod ord">
+        <pc:chgData name="哲畅 薛" userId="45e028c3e641bd70" providerId="LiveId" clId="{29048D89-392C-4136-AD43-A5D50A0C1218}" dt="2023-07-07T02:20:13.570" v="2511" actId="1076"/>
+        <pc:sldMkLst>
+          <pc:docMk/>
+          <pc:sldMk cId="2316541608" sldId="268"/>
+        </pc:sldMkLst>
+        <pc:spChg chg="mod">
+          <ac:chgData name="哲畅 薛" userId="45e028c3e641bd70" providerId="LiveId" clId="{29048D89-392C-4136-AD43-A5D50A0C1218}" dt="2023-06-27T19:48:28.511" v="59" actId="20577"/>
+          <ac:spMkLst>
+            <pc:docMk/>
+            <pc:sldMk cId="2316541608" sldId="268"/>
+            <ac:spMk id="2" creationId="{D77A0549-EC48-084B-9491-8DBCF5888C38}"/>
+          </ac:spMkLst>
+        </pc:spChg>
+        <pc:spChg chg="mod">
+          <ac:chgData name="哲畅 薛" userId="45e028c3e641bd70" providerId="LiveId" clId="{29048D89-392C-4136-AD43-A5D50A0C1218}" dt="2023-07-07T02:18:28.107" v="2484" actId="15"/>
+          <ac:spMkLst>
+            <pc:docMk/>
+            <pc:sldMk cId="2316541608" sldId="268"/>
+            <ac:spMk id="3" creationId="{49A7830E-6D9B-EC49-9016-BD2272F775B6}"/>
+          </ac:spMkLst>
+        </pc:spChg>
+        <pc:spChg chg="add mod">
+          <ac:chgData name="哲畅 薛" userId="45e028c3e641bd70" providerId="LiveId" clId="{29048D89-392C-4136-AD43-A5D50A0C1218}" dt="2023-07-05T12:45:12.297" v="2202"/>
+          <ac:spMkLst>
+            <pc:docMk/>
+            <pc:sldMk cId="2316541608" sldId="268"/>
+            <ac:spMk id="4" creationId="{D012ED1F-A5CE-F81A-427C-595577E1ED99}"/>
+          </ac:spMkLst>
+        </pc:spChg>
+        <pc:spChg chg="del">
+          <ac:chgData name="哲畅 薛" userId="45e028c3e641bd70" providerId="LiveId" clId="{29048D89-392C-4136-AD43-A5D50A0C1218}" dt="2023-07-05T12:45:11.181" v="2201" actId="478"/>
+          <ac:spMkLst>
+            <pc:docMk/>
+            <pc:sldMk cId="2316541608" sldId="268"/>
+            <ac:spMk id="7" creationId="{03878157-6918-D59A-3789-8DC2EB8E6F0C}"/>
+          </ac:spMkLst>
+        </pc:spChg>
+        <pc:spChg chg="add mod">
+          <ac:chgData name="哲畅 薛" userId="45e028c3e641bd70" providerId="LiveId" clId="{29048D89-392C-4136-AD43-A5D50A0C1218}" dt="2023-07-07T02:20:13.570" v="2511" actId="1076"/>
+          <ac:spMkLst>
+            <pc:docMk/>
+            <pc:sldMk cId="2316541608" sldId="268"/>
+            <ac:spMk id="7" creationId="{3227EFA6-1A3C-C83E-EF87-F8A51BF6E566}"/>
+          </ac:spMkLst>
+        </pc:spChg>
+        <pc:picChg chg="del">
+          <ac:chgData name="哲畅 薛" userId="45e028c3e641bd70" providerId="LiveId" clId="{29048D89-392C-4136-AD43-A5D50A0C1218}" dt="2023-06-28T20:40:38.834" v="206" actId="478"/>
+          <ac:picMkLst>
+            <pc:docMk/>
+            <pc:sldMk cId="2316541608" sldId="268"/>
+            <ac:picMk id="8" creationId="{76C46E2F-F1AF-A429-6666-9EE279401CC6}"/>
+          </ac:picMkLst>
+        </pc:picChg>
+        <pc:picChg chg="del mod">
+          <ac:chgData name="哲畅 薛" userId="45e028c3e641bd70" providerId="LiveId" clId="{29048D89-392C-4136-AD43-A5D50A0C1218}" dt="2023-06-28T20:40:38.494" v="205" actId="478"/>
+          <ac:picMkLst>
+            <pc:docMk/>
+            <pc:sldMk cId="2316541608" sldId="268"/>
+            <ac:picMk id="10" creationId="{2A102B00-BF3E-27F0-EF90-478364DF8F1B}"/>
+          </ac:picMkLst>
+        </pc:picChg>
+        <pc:picChg chg="del">
+          <ac:chgData name="哲畅 薛" userId="45e028c3e641bd70" providerId="LiveId" clId="{29048D89-392C-4136-AD43-A5D50A0C1218}" dt="2023-06-28T20:40:39.692" v="207" actId="478"/>
+          <ac:picMkLst>
+            <pc:docMk/>
+            <pc:sldMk cId="2316541608" sldId="268"/>
+            <ac:picMk id="12" creationId="{7F22F1EB-0E7C-499B-603F-79B38354698C}"/>
+          </ac:picMkLst>
+        </pc:picChg>
+        <pc:picChg chg="del">
+          <ac:chgData name="哲畅 薛" userId="45e028c3e641bd70" providerId="LiveId" clId="{29048D89-392C-4136-AD43-A5D50A0C1218}" dt="2023-06-28T20:40:40.047" v="208" actId="478"/>
+          <ac:picMkLst>
+            <pc:docMk/>
+            <pc:sldMk cId="2316541608" sldId="268"/>
+            <ac:picMk id="13" creationId="{B7F7F7C6-4ECC-F8CF-DB89-96ECF4D954EA}"/>
+          </ac:picMkLst>
+        </pc:picChg>
+      </pc:sldChg>
+      <pc:sldChg chg="addSp delSp modSp mod">
+        <pc:chgData name="哲畅 薛" userId="45e028c3e641bd70" providerId="LiveId" clId="{29048D89-392C-4136-AD43-A5D50A0C1218}" dt="2023-07-06T23:13:42.127" v="2234" actId="20577"/>
+        <pc:sldMkLst>
+          <pc:docMk/>
+          <pc:sldMk cId="3654397029" sldId="269"/>
+        </pc:sldMkLst>
+        <pc:spChg chg="mod">
+          <ac:chgData name="哲畅 薛" userId="45e028c3e641bd70" providerId="LiveId" clId="{29048D89-392C-4136-AD43-A5D50A0C1218}" dt="2023-07-06T23:13:36.189" v="2225" actId="20577"/>
+          <ac:spMkLst>
+            <pc:docMk/>
+            <pc:sldMk cId="3654397029" sldId="269"/>
+            <ac:spMk id="2" creationId="{D77A0549-EC48-084B-9491-8DBCF5888C38}"/>
+          </ac:spMkLst>
+        </pc:spChg>
+        <pc:spChg chg="add mod">
+          <ac:chgData name="哲畅 薛" userId="45e028c3e641bd70" providerId="LiveId" clId="{29048D89-392C-4136-AD43-A5D50A0C1218}" dt="2023-07-05T12:45:17.423" v="2205"/>
+          <ac:spMkLst>
+            <pc:docMk/>
+            <pc:sldMk cId="3654397029" sldId="269"/>
+            <ac:spMk id="3" creationId="{08CB117C-80F4-0D57-C772-EFE51479434C}"/>
+          </ac:spMkLst>
+        </pc:spChg>
+        <pc:spChg chg="mod">
+          <ac:chgData name="哲畅 薛" userId="45e028c3e641bd70" providerId="LiveId" clId="{29048D89-392C-4136-AD43-A5D50A0C1218}" dt="2023-07-06T23:13:42.127" v="2234" actId="20577"/>
+          <ac:spMkLst>
+            <pc:docMk/>
+            <pc:sldMk cId="3654397029" sldId="269"/>
+            <ac:spMk id="5" creationId="{445D3820-0C66-D04D-9162-C3447D297A63}"/>
+          </ac:spMkLst>
+        </pc:spChg>
+        <pc:spChg chg="del mod">
+          <ac:chgData name="哲畅 薛" userId="45e028c3e641bd70" providerId="LiveId" clId="{29048D89-392C-4136-AD43-A5D50A0C1218}" dt="2023-07-05T12:45:16.266" v="2204" actId="478"/>
+          <ac:spMkLst>
+            <pc:docMk/>
+            <pc:sldMk cId="3654397029" sldId="269"/>
+            <ac:spMk id="7" creationId="{03878157-6918-D59A-3789-8DC2EB8E6F0C}"/>
+          </ac:spMkLst>
+        </pc:spChg>
+      </pc:sldChg>
+      <pc:sldChg chg="addSp delSp modSp mod ord">
+        <pc:chgData name="哲畅 薛" userId="45e028c3e641bd70" providerId="LiveId" clId="{29048D89-392C-4136-AD43-A5D50A0C1218}" dt="2023-07-07T01:08:55.211" v="2252" actId="20577"/>
+        <pc:sldMkLst>
+          <pc:docMk/>
+          <pc:sldMk cId="3567624090" sldId="270"/>
+        </pc:sldMkLst>
+        <pc:spChg chg="mod">
+          <ac:chgData name="哲畅 薛" userId="45e028c3e641bd70" providerId="LiveId" clId="{29048D89-392C-4136-AD43-A5D50A0C1218}" dt="2023-07-06T23:14:54.545" v="2238" actId="20577"/>
+          <ac:spMkLst>
+            <pc:docMk/>
+            <pc:sldMk cId="3567624090" sldId="270"/>
+            <ac:spMk id="2" creationId="{D77A0549-EC48-084B-9491-8DBCF5888C38}"/>
+          </ac:spMkLst>
+        </pc:spChg>
+        <pc:spChg chg="mod">
+          <ac:chgData name="哲畅 薛" userId="45e028c3e641bd70" providerId="LiveId" clId="{29048D89-392C-4136-AD43-A5D50A0C1218}" dt="2023-07-07T01:08:55.211" v="2252" actId="20577"/>
+          <ac:spMkLst>
+            <pc:docMk/>
+            <pc:sldMk cId="3567624090" sldId="270"/>
+            <ac:spMk id="3" creationId="{49A7830E-6D9B-EC49-9016-BD2272F775B6}"/>
+          </ac:spMkLst>
+        </pc:spChg>
+        <pc:spChg chg="add mod">
+          <ac:chgData name="哲畅 薛" userId="45e028c3e641bd70" providerId="LiveId" clId="{29048D89-392C-4136-AD43-A5D50A0C1218}" dt="2023-07-05T12:45:25.688" v="2209"/>
+          <ac:spMkLst>
+            <pc:docMk/>
+            <pc:sldMk cId="3567624090" sldId="270"/>
+            <ac:spMk id="4" creationId="{FC272438-7D23-083E-7253-8E8A2ABF23A0}"/>
+          </ac:spMkLst>
+        </pc:spChg>
+        <pc:spChg chg="del">
+          <ac:chgData name="哲畅 薛" userId="45e028c3e641bd70" providerId="LiveId" clId="{29048D89-392C-4136-AD43-A5D50A0C1218}" dt="2023-07-05T12:45:24.667" v="2208" actId="478"/>
+          <ac:spMkLst>
+            <pc:docMk/>
+            <pc:sldMk cId="3567624090" sldId="270"/>
+            <ac:spMk id="7" creationId="{03878157-6918-D59A-3789-8DC2EB8E6F0C}"/>
+          </ac:spMkLst>
+        </pc:spChg>
+      </pc:sldChg>
+      <pc:sldChg chg="modSp del mod ord">
+        <pc:chgData name="哲畅 薛" userId="45e028c3e641bd70" providerId="LiveId" clId="{29048D89-392C-4136-AD43-A5D50A0C1218}" dt="2023-07-06T23:49:39.461" v="2240" actId="47"/>
+        <pc:sldMkLst>
+          <pc:docMk/>
+          <pc:sldMk cId="802925574" sldId="271"/>
+        </pc:sldMkLst>
+        <pc:spChg chg="mod">
+          <ac:chgData name="哲畅 薛" userId="45e028c3e641bd70" providerId="LiveId" clId="{29048D89-392C-4136-AD43-A5D50A0C1218}" dt="2023-06-30T00:59:45.817" v="469" actId="20577"/>
+          <ac:spMkLst>
+            <pc:docMk/>
+            <pc:sldMk cId="802925574" sldId="271"/>
+            <ac:spMk id="3" creationId="{49A7830E-6D9B-EC49-9016-BD2272F775B6}"/>
+          </ac:spMkLst>
+        </pc:spChg>
+      </pc:sldChg>
+      <pc:sldChg chg="addSp delSp modSp del mod ord">
+        <pc:chgData name="哲畅 薛" userId="45e028c3e641bd70" providerId="LiveId" clId="{29048D89-392C-4136-AD43-A5D50A0C1218}" dt="2023-07-06T23:49:39.461" v="2240" actId="47"/>
+        <pc:sldMkLst>
+          <pc:docMk/>
+          <pc:sldMk cId="3772656341" sldId="272"/>
+        </pc:sldMkLst>
+        <pc:picChg chg="del">
+          <ac:chgData name="哲畅 薛" userId="45e028c3e641bd70" providerId="LiveId" clId="{29048D89-392C-4136-AD43-A5D50A0C1218}" dt="2023-06-30T00:59:59.634" v="470" actId="478"/>
+          <ac:picMkLst>
+            <pc:docMk/>
+            <pc:sldMk cId="3772656341" sldId="272"/>
+            <ac:picMk id="8" creationId="{1B8004F3-AB23-58C0-826B-63E22EBD5441}"/>
+          </ac:picMkLst>
+        </pc:picChg>
+        <pc:picChg chg="add mod">
+          <ac:chgData name="哲畅 薛" userId="45e028c3e641bd70" providerId="LiveId" clId="{29048D89-392C-4136-AD43-A5D50A0C1218}" dt="2023-06-30T01:00:59.662" v="480" actId="1076"/>
+          <ac:picMkLst>
+            <pc:docMk/>
+            <pc:sldMk cId="3772656341" sldId="272"/>
+            <ac:picMk id="9" creationId="{F1141D2B-79C7-170C-B91A-FBDEC01D1C85}"/>
+          </ac:picMkLst>
+        </pc:picChg>
+        <pc:picChg chg="del">
+          <ac:chgData name="哲畅 薛" userId="45e028c3e641bd70" providerId="LiveId" clId="{29048D89-392C-4136-AD43-A5D50A0C1218}" dt="2023-06-30T01:00:00.016" v="471" actId="478"/>
+          <ac:picMkLst>
+            <pc:docMk/>
+            <pc:sldMk cId="3772656341" sldId="272"/>
+            <ac:picMk id="10" creationId="{4A76E724-1C41-138B-AAFA-92DA0D7ECA9F}"/>
+          </ac:picMkLst>
+        </pc:picChg>
+        <pc:picChg chg="add mod">
+          <ac:chgData name="哲畅 薛" userId="45e028c3e641bd70" providerId="LiveId" clId="{29048D89-392C-4136-AD43-A5D50A0C1218}" dt="2023-06-30T01:01:02.745" v="481" actId="1076"/>
+          <ac:picMkLst>
+            <pc:docMk/>
+            <pc:sldMk cId="3772656341" sldId="272"/>
+            <ac:picMk id="12" creationId="{310147C5-CA32-096E-EEEE-96B766A03EC5}"/>
+          </ac:picMkLst>
+        </pc:picChg>
+      </pc:sldChg>
+      <pc:sldChg chg="add del">
+        <pc:chgData name="哲畅 薛" userId="45e028c3e641bd70" providerId="LiveId" clId="{29048D89-392C-4136-AD43-A5D50A0C1218}" dt="2023-06-27T19:48:01.137" v="18" actId="47"/>
+        <pc:sldMkLst>
+          <pc:docMk/>
+          <pc:sldMk cId="424583044" sldId="273"/>
+        </pc:sldMkLst>
+      </pc:sldChg>
+      <pc:sldChg chg="addSp delSp modSp add mod ord">
+        <pc:chgData name="哲畅 薛" userId="45e028c3e641bd70" providerId="LiveId" clId="{29048D89-392C-4136-AD43-A5D50A0C1218}" dt="2023-07-05T12:45:07.926" v="2200"/>
+        <pc:sldMkLst>
+          <pc:docMk/>
+          <pc:sldMk cId="3472763388" sldId="273"/>
+        </pc:sldMkLst>
+        <pc:spChg chg="mod">
+          <ac:chgData name="哲畅 薛" userId="45e028c3e641bd70" providerId="LiveId" clId="{29048D89-392C-4136-AD43-A5D50A0C1218}" dt="2023-06-27T19:48:14.084" v="42" actId="20577"/>
+          <ac:spMkLst>
+            <pc:docMk/>
+            <pc:sldMk cId="3472763388" sldId="273"/>
+            <ac:spMk id="2" creationId="{D77A0549-EC48-084B-9491-8DBCF5888C38}"/>
+          </ac:spMkLst>
+        </pc:spChg>
+        <pc:spChg chg="mod">
+          <ac:chgData name="哲畅 薛" userId="45e028c3e641bd70" providerId="LiveId" clId="{29048D89-392C-4136-AD43-A5D50A0C1218}" dt="2023-06-28T20:38:32.359" v="163" actId="14100"/>
+          <ac:spMkLst>
+            <pc:docMk/>
+            <pc:sldMk cId="3472763388" sldId="273"/>
+            <ac:spMk id="3" creationId="{49A7830E-6D9B-EC49-9016-BD2272F775B6}"/>
+          </ac:spMkLst>
+        </pc:spChg>
+        <pc:spChg chg="del">
+          <ac:chgData name="哲畅 薛" userId="45e028c3e641bd70" providerId="LiveId" clId="{29048D89-392C-4136-AD43-A5D50A0C1218}" dt="2023-07-05T12:45:04.307" v="2199" actId="478"/>
+          <ac:spMkLst>
+            <pc:docMk/>
+            <pc:sldMk cId="3472763388" sldId="273"/>
+            <ac:spMk id="7" creationId="{03878157-6918-D59A-3789-8DC2EB8E6F0C}"/>
+          </ac:spMkLst>
+        </pc:spChg>
+        <pc:spChg chg="add mod">
+          <ac:chgData name="哲畅 薛" userId="45e028c3e641bd70" providerId="LiveId" clId="{29048D89-392C-4136-AD43-A5D50A0C1218}" dt="2023-07-05T12:45:07.926" v="2200"/>
+          <ac:spMkLst>
+            <pc:docMk/>
+            <pc:sldMk cId="3472763388" sldId="273"/>
+            <ac:spMk id="8" creationId="{BC16E34A-EFDE-AFE0-AEFB-1A79CAE0B4CD}"/>
+          </ac:spMkLst>
+        </pc:spChg>
+        <pc:spChg chg="add mod">
+          <ac:chgData name="哲畅 薛" userId="45e028c3e641bd70" providerId="LiveId" clId="{29048D89-392C-4136-AD43-A5D50A0C1218}" dt="2023-06-28T23:03:10.018" v="218" actId="1076"/>
+          <ac:spMkLst>
+            <pc:docMk/>
+            <pc:sldMk cId="3472763388" sldId="273"/>
+            <ac:spMk id="11" creationId="{26882410-F3E7-C903-DD6F-AC72B367BB30}"/>
+          </ac:spMkLst>
+        </pc:spChg>
+        <pc:spChg chg="add mod">
+          <ac:chgData name="哲畅 薛" userId="45e028c3e641bd70" providerId="LiveId" clId="{29048D89-392C-4136-AD43-A5D50A0C1218}" dt="2023-06-28T20:39:26.184" v="203" actId="1076"/>
+          <ac:spMkLst>
+            <pc:docMk/>
+            <pc:sldMk cId="3472763388" sldId="273"/>
+            <ac:spMk id="14" creationId="{D9C6B4DF-F4C3-614F-E340-B3A74D1CDBBE}"/>
+          </ac:spMkLst>
+        </pc:spChg>
+        <pc:picChg chg="add mod">
+          <ac:chgData name="哲畅 薛" userId="45e028c3e641bd70" providerId="LiveId" clId="{29048D89-392C-4136-AD43-A5D50A0C1218}" dt="2023-06-28T20:39:23.156" v="202" actId="1076"/>
+          <ac:picMkLst>
+            <pc:docMk/>
+            <pc:sldMk cId="3472763388" sldId="273"/>
+            <ac:picMk id="4" creationId="{9C2F477B-300C-5B51-2861-A5A3273D387B}"/>
+          </ac:picMkLst>
+        </pc:picChg>
+        <pc:picChg chg="del">
+          <ac:chgData name="哲畅 薛" userId="45e028c3e641bd70" providerId="LiveId" clId="{29048D89-392C-4136-AD43-A5D50A0C1218}" dt="2023-06-28T00:32:56.453" v="61" actId="478"/>
+          <ac:picMkLst>
+            <pc:docMk/>
+            <pc:sldMk cId="3472763388" sldId="273"/>
+            <ac:picMk id="8" creationId="{76C46E2F-F1AF-A429-6666-9EE279401CC6}"/>
+          </ac:picMkLst>
+        </pc:picChg>
+        <pc:picChg chg="add mod">
+          <ac:chgData name="哲畅 薛" userId="45e028c3e641bd70" providerId="LiveId" clId="{29048D89-392C-4136-AD43-A5D50A0C1218}" dt="2023-06-28T23:02:13.936" v="213" actId="1076"/>
+          <ac:picMkLst>
+            <pc:docMk/>
+            <pc:sldMk cId="3472763388" sldId="273"/>
+            <ac:picMk id="9" creationId="{5639710C-96FB-941D-AB19-A48CD9A39762}"/>
+          </ac:picMkLst>
+        </pc:picChg>
+        <pc:picChg chg="del">
+          <ac:chgData name="哲畅 薛" userId="45e028c3e641bd70" providerId="LiveId" clId="{29048D89-392C-4136-AD43-A5D50A0C1218}" dt="2023-06-28T00:32:56.117" v="60" actId="478"/>
+          <ac:picMkLst>
+            <pc:docMk/>
+            <pc:sldMk cId="3472763388" sldId="273"/>
+            <ac:picMk id="10" creationId="{2A102B00-BF3E-27F0-EF90-478364DF8F1B}"/>
+          </ac:picMkLst>
+        </pc:picChg>
+        <pc:picChg chg="del">
+          <ac:chgData name="哲畅 薛" userId="45e028c3e641bd70" providerId="LiveId" clId="{29048D89-392C-4136-AD43-A5D50A0C1218}" dt="2023-06-28T00:32:58.896" v="63" actId="478"/>
+          <ac:picMkLst>
+            <pc:docMk/>
+            <pc:sldMk cId="3472763388" sldId="273"/>
+            <ac:picMk id="12" creationId="{7F22F1EB-0E7C-499B-603F-79B38354698C}"/>
+          </ac:picMkLst>
+        </pc:picChg>
+        <pc:picChg chg="del">
+          <ac:chgData name="哲畅 薛" userId="45e028c3e641bd70" providerId="LiveId" clId="{29048D89-392C-4136-AD43-A5D50A0C1218}" dt="2023-06-28T00:32:56.868" v="62" actId="478"/>
+          <ac:picMkLst>
+            <pc:docMk/>
+            <pc:sldMk cId="3472763388" sldId="273"/>
+            <ac:picMk id="13" creationId="{B7F7F7C6-4ECC-F8CF-DB89-96ECF4D954EA}"/>
+          </ac:picMkLst>
+        </pc:picChg>
+        <pc:picChg chg="add mod">
+          <ac:chgData name="哲畅 薛" userId="45e028c3e641bd70" providerId="LiveId" clId="{29048D89-392C-4136-AD43-A5D50A0C1218}" dt="2023-06-28T23:03:10.691" v="219" actId="1076"/>
+          <ac:picMkLst>
+            <pc:docMk/>
+            <pc:sldMk cId="3472763388" sldId="273"/>
+            <ac:picMk id="15" creationId="{235D409A-D46C-B7D1-845F-AEC5724A9CB9}"/>
+          </ac:picMkLst>
+        </pc:picChg>
+      </pc:sldChg>
+      <pc:sldChg chg="add del">
+        <pc:chgData name="哲畅 薛" userId="45e028c3e641bd70" providerId="LiveId" clId="{29048D89-392C-4136-AD43-A5D50A0C1218}" dt="2023-06-27T19:48:01.915" v="19" actId="47"/>
+        <pc:sldMkLst>
+          <pc:docMk/>
+          <pc:sldMk cId="1547856490" sldId="274"/>
+        </pc:sldMkLst>
+      </pc:sldChg>
+      <pc:sldChg chg="addSp delSp modSp add mod ord">
+        <pc:chgData name="哲畅 薛" userId="45e028c3e641bd70" providerId="LiveId" clId="{29048D89-392C-4136-AD43-A5D50A0C1218}" dt="2023-07-07T01:08:32.214" v="2242" actId="20577"/>
+        <pc:sldMkLst>
+          <pc:docMk/>
+          <pc:sldMk cId="2057791560" sldId="274"/>
+        </pc:sldMkLst>
+        <pc:spChg chg="mod">
+          <ac:chgData name="哲畅 薛" userId="45e028c3e641bd70" providerId="LiveId" clId="{29048D89-392C-4136-AD43-A5D50A0C1218}" dt="2023-07-06T23:12:49.126" v="2223"/>
+          <ac:spMkLst>
+            <pc:docMk/>
+            <pc:sldMk cId="2057791560" sldId="274"/>
+            <ac:spMk id="2" creationId="{D77A0549-EC48-084B-9491-8DBCF5888C38}"/>
+          </ac:spMkLst>
+        </pc:spChg>
+        <pc:spChg chg="mod">
+          <ac:chgData name="哲畅 薛" userId="45e028c3e641bd70" providerId="LiveId" clId="{29048D89-392C-4136-AD43-A5D50A0C1218}" dt="2023-07-07T01:08:32.214" v="2242" actId="20577"/>
+          <ac:spMkLst>
+            <pc:docMk/>
+            <pc:sldMk cId="2057791560" sldId="274"/>
+            <ac:spMk id="3" creationId="{49A7830E-6D9B-EC49-9016-BD2272F775B6}"/>
+          </ac:spMkLst>
+        </pc:spChg>
+        <pc:spChg chg="add mod">
+          <ac:chgData name="哲畅 薛" userId="45e028c3e641bd70" providerId="LiveId" clId="{29048D89-392C-4136-AD43-A5D50A0C1218}" dt="2023-07-05T12:45:21.603" v="2207"/>
+          <ac:spMkLst>
+            <pc:docMk/>
+            <pc:sldMk cId="2057791560" sldId="274"/>
+            <ac:spMk id="4" creationId="{D2838CC1-66F0-3C0B-DDFC-EDB572510BA3}"/>
+          </ac:spMkLst>
+        </pc:spChg>
+        <pc:spChg chg="mod">
+          <ac:chgData name="哲畅 薛" userId="45e028c3e641bd70" providerId="LiveId" clId="{29048D89-392C-4136-AD43-A5D50A0C1218}" dt="2023-07-06T23:14:38.005" v="2237"/>
+          <ac:spMkLst>
+            <pc:docMk/>
+            <pc:sldMk cId="2057791560" sldId="274"/>
+            <ac:spMk id="5" creationId="{445D3820-0C66-D04D-9162-C3447D297A63}"/>
+          </ac:spMkLst>
+        </pc:spChg>
+        <pc:spChg chg="del">
+          <ac:chgData name="哲畅 薛" userId="45e028c3e641bd70" providerId="LiveId" clId="{29048D89-392C-4136-AD43-A5D50A0C1218}" dt="2023-07-05T12:45:20.630" v="2206" actId="478"/>
+          <ac:spMkLst>
+            <pc:docMk/>
+            <pc:sldMk cId="2057791560" sldId="274"/>
+            <ac:spMk id="7" creationId="{03878157-6918-D59A-3789-8DC2EB8E6F0C}"/>
+          </ac:spMkLst>
+        </pc:spChg>
+      </pc:sldChg>
+      <pc:sldChg chg="addSp delSp modSp add del mod ord">
+        <pc:chgData name="哲畅 薛" userId="45e028c3e641bd70" providerId="LiveId" clId="{29048D89-392C-4136-AD43-A5D50A0C1218}" dt="2023-07-06T23:49:39.461" v="2240" actId="47"/>
+        <pc:sldMkLst>
+          <pc:docMk/>
+          <pc:sldMk cId="726427121" sldId="275"/>
+        </pc:sldMkLst>
+        <pc:spChg chg="mod">
+          <ac:chgData name="哲畅 薛" userId="45e028c3e641bd70" providerId="LiveId" clId="{29048D89-392C-4136-AD43-A5D50A0C1218}" dt="2023-06-30T00:21:05.752" v="241" actId="20577"/>
+          <ac:spMkLst>
+            <pc:docMk/>
+            <pc:sldMk cId="726427121" sldId="275"/>
+            <ac:spMk id="2" creationId="{D77A0549-EC48-084B-9491-8DBCF5888C38}"/>
+          </ac:spMkLst>
+        </pc:spChg>
+        <pc:spChg chg="mod">
+          <ac:chgData name="哲畅 薛" userId="45e028c3e641bd70" providerId="LiveId" clId="{29048D89-392C-4136-AD43-A5D50A0C1218}" dt="2023-06-30T01:04:10.987" v="579" actId="1076"/>
+          <ac:spMkLst>
+            <pc:docMk/>
+            <pc:sldMk cId="726427121" sldId="275"/>
+            <ac:spMk id="3" creationId="{49A7830E-6D9B-EC49-9016-BD2272F775B6}"/>
+          </ac:spMkLst>
+        </pc:spChg>
+        <pc:spChg chg="add mod">
+          <ac:chgData name="哲畅 薛" userId="45e028c3e641bd70" providerId="LiveId" clId="{29048D89-392C-4136-AD43-A5D50A0C1218}" dt="2023-06-30T00:21:15.263" v="244" actId="478"/>
+          <ac:spMkLst>
+            <pc:docMk/>
+            <pc:sldMk cId="726427121" sldId="275"/>
+            <ac:spMk id="4" creationId="{E206E363-21F9-17A8-921A-156221502DA2}"/>
+          </ac:spMkLst>
+        </pc:spChg>
+        <pc:spChg chg="del">
+          <ac:chgData name="哲畅 薛" userId="45e028c3e641bd70" providerId="LiveId" clId="{29048D89-392C-4136-AD43-A5D50A0C1218}" dt="2023-06-30T00:21:15.263" v="244" actId="478"/>
+          <ac:spMkLst>
+            <pc:docMk/>
+            <pc:sldMk cId="726427121" sldId="275"/>
+            <ac:spMk id="5" creationId="{445D3820-0C66-D04D-9162-C3447D297A63}"/>
+          </ac:spMkLst>
+        </pc:spChg>
+        <pc:spChg chg="add mod">
+          <ac:chgData name="哲畅 薛" userId="45e028c3e641bd70" providerId="LiveId" clId="{29048D89-392C-4136-AD43-A5D50A0C1218}" dt="2023-07-05T12:45:47.205" v="2212"/>
+          <ac:spMkLst>
+            <pc:docMk/>
+            <pc:sldMk cId="726427121" sldId="275"/>
+            <ac:spMk id="5" creationId="{534482DA-A823-66A0-7C90-AB5564F02CBB}"/>
+          </ac:spMkLst>
+        </pc:spChg>
+        <pc:spChg chg="del">
+          <ac:chgData name="哲畅 薛" userId="45e028c3e641bd70" providerId="LiveId" clId="{29048D89-392C-4136-AD43-A5D50A0C1218}" dt="2023-07-05T12:45:45.248" v="2210" actId="478"/>
+          <ac:spMkLst>
+            <pc:docMk/>
+            <pc:sldMk cId="726427121" sldId="275"/>
+            <ac:spMk id="7" creationId="{03878157-6918-D59A-3789-8DC2EB8E6F0C}"/>
+          </ac:spMkLst>
+        </pc:spChg>
+        <pc:spChg chg="add mod">
+          <ac:chgData name="哲畅 薛" userId="45e028c3e641bd70" providerId="LiveId" clId="{29048D89-392C-4136-AD43-A5D50A0C1218}" dt="2023-06-30T01:16:10.868" v="608"/>
+          <ac:spMkLst>
+            <pc:docMk/>
+            <pc:sldMk cId="726427121" sldId="275"/>
+            <ac:spMk id="11" creationId="{E68255C0-EA15-376A-7ED7-BF2CB20F0FD3}"/>
+          </ac:spMkLst>
+        </pc:spChg>
+        <pc:picChg chg="del">
+          <ac:chgData name="哲畅 薛" userId="45e028c3e641bd70" providerId="LiveId" clId="{29048D89-392C-4136-AD43-A5D50A0C1218}" dt="2023-06-30T00:20:58.096" v="221" actId="478"/>
+          <ac:picMkLst>
+            <pc:docMk/>
+            <pc:sldMk cId="726427121" sldId="275"/>
+            <ac:picMk id="8" creationId="{1B8004F3-AB23-58C0-826B-63E22EBD5441}"/>
+          </ac:picMkLst>
+        </pc:picChg>
+        <pc:picChg chg="del mod">
+          <ac:chgData name="哲畅 薛" userId="45e028c3e641bd70" providerId="LiveId" clId="{29048D89-392C-4136-AD43-A5D50A0C1218}" dt="2023-06-30T00:20:58.471" v="223" actId="478"/>
+          <ac:picMkLst>
+            <pc:docMk/>
+            <pc:sldMk cId="726427121" sldId="275"/>
+            <ac:picMk id="10" creationId="{4A76E724-1C41-138B-AAFA-92DA0D7ECA9F}"/>
+          </ac:picMkLst>
+        </pc:picChg>
+      </pc:sldChg>
+      <pc:sldChg chg="addSp delSp modSp add del mod ord">
+        <pc:chgData name="哲畅 薛" userId="45e028c3e641bd70" providerId="LiveId" clId="{29048D89-392C-4136-AD43-A5D50A0C1218}" dt="2023-07-06T23:49:39.461" v="2240" actId="47"/>
+        <pc:sldMkLst>
+          <pc:docMk/>
+          <pc:sldMk cId="2129779886" sldId="276"/>
+        </pc:sldMkLst>
+        <pc:spChg chg="mod">
+          <ac:chgData name="哲畅 薛" userId="45e028c3e641bd70" providerId="LiveId" clId="{29048D89-392C-4136-AD43-A5D50A0C1218}" dt="2023-06-30T01:17:40.927" v="623"/>
+          <ac:spMkLst>
+            <pc:docMk/>
+            <pc:sldMk cId="2129779886" sldId="276"/>
+            <ac:spMk id="2" creationId="{D77A0549-EC48-084B-9491-8DBCF5888C38}"/>
+          </ac:spMkLst>
+        </pc:spChg>
+        <pc:spChg chg="del">
+          <ac:chgData name="哲畅 薛" userId="45e028c3e641bd70" providerId="LiveId" clId="{29048D89-392C-4136-AD43-A5D50A0C1218}" dt="2023-06-30T01:16:40.662" v="616" actId="478"/>
+          <ac:spMkLst>
+            <pc:docMk/>
+            <pc:sldMk cId="2129779886" sldId="276"/>
+            <ac:spMk id="3" creationId="{49A7830E-6D9B-EC49-9016-BD2272F775B6}"/>
+          </ac:spMkLst>
+        </pc:spChg>
+        <pc:spChg chg="add mod">
+          <ac:chgData name="哲畅 薛" userId="45e028c3e641bd70" providerId="LiveId" clId="{29048D89-392C-4136-AD43-A5D50A0C1218}" dt="2023-06-30T02:06:09.364" v="1774" actId="20577"/>
+          <ac:spMkLst>
+            <pc:docMk/>
+            <pc:sldMk cId="2129779886" sldId="276"/>
+            <ac:spMk id="5" creationId="{EBD62F1D-AD76-FDC9-FB31-E6A329838CBF}"/>
+          </ac:spMkLst>
+        </pc:spChg>
+        <pc:spChg chg="del mod">
+          <ac:chgData name="哲畅 薛" userId="45e028c3e641bd70" providerId="LiveId" clId="{29048D89-392C-4136-AD43-A5D50A0C1218}" dt="2023-06-30T01:16:40.662" v="618"/>
+          <ac:spMkLst>
+            <pc:docMk/>
+            <pc:sldMk cId="2129779886" sldId="276"/>
+            <ac:spMk id="11" creationId="{E68255C0-EA15-376A-7ED7-BF2CB20F0FD3}"/>
+          </ac:spMkLst>
+        </pc:spChg>
+      </pc:sldChg>
+      <pc:sldChg chg="modSp add del mod ord">
+        <pc:chgData name="哲畅 薛" userId="45e028c3e641bd70" providerId="LiveId" clId="{29048D89-392C-4136-AD43-A5D50A0C1218}" dt="2023-06-30T01:17:44.766" v="624" actId="47"/>
+        <pc:sldMkLst>
+          <pc:docMk/>
+          <pc:sldMk cId="3401759390" sldId="277"/>
+        </pc:sldMkLst>
+        <pc:spChg chg="mod">
+          <ac:chgData name="哲畅 薛" userId="45e028c3e641bd70" providerId="LiveId" clId="{29048D89-392C-4136-AD43-A5D50A0C1218}" dt="2023-06-30T01:17:33.986" v="621"/>
+          <ac:spMkLst>
+            <pc:docMk/>
+            <pc:sldMk cId="3401759390" sldId="277"/>
+            <ac:spMk id="2" creationId="{D77A0549-EC48-084B-9491-8DBCF5888C38}"/>
+          </ac:spMkLst>
+        </pc:spChg>
+      </pc:sldChg>
+      <pc:sldChg chg="modSp add del mod">
+        <pc:chgData name="哲畅 薛" userId="45e028c3e641bd70" providerId="LiveId" clId="{29048D89-392C-4136-AD43-A5D50A0C1218}" dt="2023-07-06T23:49:39.461" v="2240" actId="47"/>
+        <pc:sldMkLst>
+          <pc:docMk/>
+          <pc:sldMk cId="3890748340" sldId="277"/>
+        </pc:sldMkLst>
+        <pc:spChg chg="mod">
+          <ac:chgData name="哲畅 薛" userId="45e028c3e641bd70" providerId="LiveId" clId="{29048D89-392C-4136-AD43-A5D50A0C1218}" dt="2023-06-30T01:18:25.139" v="655" actId="20577"/>
+          <ac:spMkLst>
+            <pc:docMk/>
+            <pc:sldMk cId="3890748340" sldId="277"/>
+            <ac:spMk id="2" creationId="{D77A0549-EC48-084B-9491-8DBCF5888C38}"/>
+          </ac:spMkLst>
+        </pc:spChg>
+        <pc:spChg chg="mod">
+          <ac:chgData name="哲畅 薛" userId="45e028c3e641bd70" providerId="LiveId" clId="{29048D89-392C-4136-AD43-A5D50A0C1218}" dt="2023-06-30T02:26:36.356" v="1951" actId="5793"/>
+          <ac:spMkLst>
+            <pc:docMk/>
+            <pc:sldMk cId="3890748340" sldId="277"/>
+            <ac:spMk id="5" creationId="{EBD62F1D-AD76-FDC9-FB31-E6A329838CBF}"/>
+          </ac:spMkLst>
+        </pc:spChg>
+      </pc:sldChg>
+      <pc:sldChg chg="modSp add del mod ord">
+        <pc:chgData name="哲畅 薛" userId="45e028c3e641bd70" providerId="LiveId" clId="{29048D89-392C-4136-AD43-A5D50A0C1218}" dt="2023-07-06T23:49:39.461" v="2240" actId="47"/>
+        <pc:sldMkLst>
+          <pc:docMk/>
+          <pc:sldMk cId="2860042330" sldId="278"/>
+        </pc:sldMkLst>
+        <pc:spChg chg="mod">
+          <ac:chgData name="哲畅 薛" userId="45e028c3e641bd70" providerId="LiveId" clId="{29048D89-392C-4136-AD43-A5D50A0C1218}" dt="2023-06-30T01:18:49.059" v="675" actId="20577"/>
+          <ac:spMkLst>
+            <pc:docMk/>
+            <pc:sldMk cId="2860042330" sldId="278"/>
+            <ac:spMk id="2" creationId="{D77A0549-EC48-084B-9491-8DBCF5888C38}"/>
+          </ac:spMkLst>
+        </pc:spChg>
+        <pc:spChg chg="mod">
+          <ac:chgData name="哲畅 薛" userId="45e028c3e641bd70" providerId="LiveId" clId="{29048D89-392C-4136-AD43-A5D50A0C1218}" dt="2023-06-30T09:45:17.196" v="2068" actId="20577"/>
+          <ac:spMkLst>
+            <pc:docMk/>
+            <pc:sldMk cId="2860042330" sldId="278"/>
+            <ac:spMk id="5" creationId="{EBD62F1D-AD76-FDC9-FB31-E6A329838CBF}"/>
+          </ac:spMkLst>
+        </pc:spChg>
+      </pc:sldChg>
+    </pc:docChg>
+  </pc:docChgLst>
+  <pc:docChgLst>
     <pc:chgData name="哲畅 薛" userId="45e028c3e641bd70" providerId="LiveId" clId="{70EB56C2-E554-467B-9511-8FF1100A70A9}"/>
     <pc:docChg chg="undo custSel addSld delSld modSld sldOrd">
       <pc:chgData name="哲畅 薛" userId="45e028c3e641bd70" providerId="LiveId" clId="{70EB56C2-E554-467B-9511-8FF1100A70A9}" dt="2023-06-16T01:55:44.730" v="2583" actId="1076"/>
@@ -1102,678 +1774,6 @@
             <ac:picMk id="10" creationId="{4A76E724-1C41-138B-AAFA-92DA0D7ECA9F}"/>
           </ac:picMkLst>
         </pc:picChg>
-      </pc:sldChg>
-    </pc:docChg>
-  </pc:docChgLst>
-  <pc:docChgLst>
-    <pc:chgData name="哲畅 薛" userId="45e028c3e641bd70" providerId="LiveId" clId="{29048D89-392C-4136-AD43-A5D50A0C1218}"/>
-    <pc:docChg chg="undo redo custSel addSld delSld modSld sldOrd">
-      <pc:chgData name="哲畅 薛" userId="45e028c3e641bd70" providerId="LiveId" clId="{29048D89-392C-4136-AD43-A5D50A0C1218}" dt="2023-07-07T02:20:13.570" v="2511" actId="1076"/>
-      <pc:docMkLst>
-        <pc:docMk/>
-      </pc:docMkLst>
-      <pc:sldChg chg="modSp mod">
-        <pc:chgData name="哲畅 薛" userId="45e028c3e641bd70" providerId="LiveId" clId="{29048D89-392C-4136-AD43-A5D50A0C1218}" dt="2023-07-03T10:21:05.708" v="2181" actId="20577"/>
-        <pc:sldMkLst>
-          <pc:docMk/>
-          <pc:sldMk cId="0" sldId="264"/>
-        </pc:sldMkLst>
-        <pc:spChg chg="mod">
-          <ac:chgData name="哲畅 薛" userId="45e028c3e641bd70" providerId="LiveId" clId="{29048D89-392C-4136-AD43-A5D50A0C1218}" dt="2023-07-03T10:21:05.708" v="2181" actId="20577"/>
-          <ac:spMkLst>
-            <pc:docMk/>
-            <pc:sldMk cId="0" sldId="264"/>
-            <ac:spMk id="30724" creationId="{00000000-0000-0000-0000-000000000000}"/>
-          </ac:spMkLst>
-        </pc:spChg>
-      </pc:sldChg>
-      <pc:sldChg chg="addSp delSp modSp mod">
-        <pc:chgData name="哲畅 薛" userId="45e028c3e641bd70" providerId="LiveId" clId="{29048D89-392C-4136-AD43-A5D50A0C1218}" dt="2023-07-06T23:15:08.532" v="2239" actId="20577"/>
-        <pc:sldMkLst>
-          <pc:docMk/>
-          <pc:sldMk cId="1754662791" sldId="266"/>
-        </pc:sldMkLst>
-        <pc:spChg chg="mod">
-          <ac:chgData name="哲畅 薛" userId="45e028c3e641bd70" providerId="LiveId" clId="{29048D89-392C-4136-AD43-A5D50A0C1218}" dt="2023-07-06T23:15:08.532" v="2239" actId="20577"/>
-          <ac:spMkLst>
-            <pc:docMk/>
-            <pc:sldMk cId="1754662791" sldId="266"/>
-            <ac:spMk id="3" creationId="{49A7830E-6D9B-EC49-9016-BD2272F775B6}"/>
-          </ac:spMkLst>
-        </pc:spChg>
-        <pc:spChg chg="add mod">
-          <ac:chgData name="哲畅 薛" userId="45e028c3e641bd70" providerId="LiveId" clId="{29048D89-392C-4136-AD43-A5D50A0C1218}" dt="2023-07-05T12:44:58.241" v="2198"/>
-          <ac:spMkLst>
-            <pc:docMk/>
-            <pc:sldMk cId="1754662791" sldId="266"/>
-            <ac:spMk id="4" creationId="{D55DC427-DEEE-8AB5-4DB6-B346989D4880}"/>
-          </ac:spMkLst>
-        </pc:spChg>
-        <pc:spChg chg="del mod">
-          <ac:chgData name="哲畅 薛" userId="45e028c3e641bd70" providerId="LiveId" clId="{29048D89-392C-4136-AD43-A5D50A0C1218}" dt="2023-07-05T12:44:56.467" v="2197" actId="478"/>
-          <ac:spMkLst>
-            <pc:docMk/>
-            <pc:sldMk cId="1754662791" sldId="266"/>
-            <ac:spMk id="7" creationId="{03878157-6918-D59A-3789-8DC2EB8E6F0C}"/>
-          </ac:spMkLst>
-        </pc:spChg>
-      </pc:sldChg>
-      <pc:sldChg chg="addSp delSp modSp mod">
-        <pc:chgData name="哲畅 薛" userId="45e028c3e641bd70" providerId="LiveId" clId="{29048D89-392C-4136-AD43-A5D50A0C1218}" dt="2023-07-05T12:44:42.062" v="2195"/>
-        <pc:sldMkLst>
-          <pc:docMk/>
-          <pc:sldMk cId="116020795" sldId="267"/>
-        </pc:sldMkLst>
-        <pc:spChg chg="mod">
-          <ac:chgData name="哲畅 薛" userId="45e028c3e641bd70" providerId="LiveId" clId="{29048D89-392C-4136-AD43-A5D50A0C1218}" dt="2023-06-27T19:45:42.341" v="8" actId="1076"/>
-          <ac:spMkLst>
-            <pc:docMk/>
-            <pc:sldMk cId="116020795" sldId="267"/>
-            <ac:spMk id="2" creationId="{D77A0549-EC48-084B-9491-8DBCF5888C38}"/>
-          </ac:spMkLst>
-        </pc:spChg>
-        <pc:spChg chg="mod">
-          <ac:chgData name="哲畅 薛" userId="45e028c3e641bd70" providerId="LiveId" clId="{29048D89-392C-4136-AD43-A5D50A0C1218}" dt="2023-06-27T19:45:44.153" v="10" actId="20577"/>
-          <ac:spMkLst>
-            <pc:docMk/>
-            <pc:sldMk cId="116020795" sldId="267"/>
-            <ac:spMk id="5" creationId="{445D3820-0C66-D04D-9162-C3447D297A63}"/>
-          </ac:spMkLst>
-        </pc:spChg>
-        <pc:spChg chg="del mod">
-          <ac:chgData name="哲畅 薛" userId="45e028c3e641bd70" providerId="LiveId" clId="{29048D89-392C-4136-AD43-A5D50A0C1218}" dt="2023-07-05T01:29:44.110" v="2190" actId="478"/>
-          <ac:spMkLst>
-            <pc:docMk/>
-            <pc:sldMk cId="116020795" sldId="267"/>
-            <ac:spMk id="7" creationId="{03878157-6918-D59A-3789-8DC2EB8E6F0C}"/>
-          </ac:spMkLst>
-        </pc:spChg>
-        <pc:spChg chg="add del mod">
-          <ac:chgData name="哲畅 薛" userId="45e028c3e641bd70" providerId="LiveId" clId="{29048D89-392C-4136-AD43-A5D50A0C1218}" dt="2023-07-05T01:29:40.498" v="2188"/>
-          <ac:spMkLst>
-            <pc:docMk/>
-            <pc:sldMk cId="116020795" sldId="267"/>
-            <ac:spMk id="13" creationId="{1EF85A5C-2D3C-6C88-E78C-B2C9C68CA95D}"/>
-          </ac:spMkLst>
-        </pc:spChg>
-        <pc:spChg chg="add mod">
-          <ac:chgData name="哲畅 薛" userId="45e028c3e641bd70" providerId="LiveId" clId="{29048D89-392C-4136-AD43-A5D50A0C1218}" dt="2023-07-05T12:44:42.062" v="2195"/>
-          <ac:spMkLst>
-            <pc:docMk/>
-            <pc:sldMk cId="116020795" sldId="267"/>
-            <ac:spMk id="14" creationId="{BCD26F04-2B98-4133-8263-2108F734D2BE}"/>
-          </ac:spMkLst>
-        </pc:spChg>
-        <pc:spChg chg="add del mod">
-          <ac:chgData name="哲畅 薛" userId="45e028c3e641bd70" providerId="LiveId" clId="{29048D89-392C-4136-AD43-A5D50A0C1218}" dt="2023-07-05T12:44:40.358" v="2194" actId="478"/>
-          <ac:spMkLst>
-            <pc:docMk/>
-            <pc:sldMk cId="116020795" sldId="267"/>
-            <ac:spMk id="15" creationId="{9C334205-BEE3-0D12-6D7F-937F0ED3D122}"/>
-          </ac:spMkLst>
-        </pc:spChg>
-      </pc:sldChg>
-      <pc:sldChg chg="addSp delSp modSp mod ord">
-        <pc:chgData name="哲畅 薛" userId="45e028c3e641bd70" providerId="LiveId" clId="{29048D89-392C-4136-AD43-A5D50A0C1218}" dt="2023-07-07T02:20:13.570" v="2511" actId="1076"/>
-        <pc:sldMkLst>
-          <pc:docMk/>
-          <pc:sldMk cId="2316541608" sldId="268"/>
-        </pc:sldMkLst>
-        <pc:spChg chg="mod">
-          <ac:chgData name="哲畅 薛" userId="45e028c3e641bd70" providerId="LiveId" clId="{29048D89-392C-4136-AD43-A5D50A0C1218}" dt="2023-06-27T19:48:28.511" v="59" actId="20577"/>
-          <ac:spMkLst>
-            <pc:docMk/>
-            <pc:sldMk cId="2316541608" sldId="268"/>
-            <ac:spMk id="2" creationId="{D77A0549-EC48-084B-9491-8DBCF5888C38}"/>
-          </ac:spMkLst>
-        </pc:spChg>
-        <pc:spChg chg="mod">
-          <ac:chgData name="哲畅 薛" userId="45e028c3e641bd70" providerId="LiveId" clId="{29048D89-392C-4136-AD43-A5D50A0C1218}" dt="2023-07-07T02:18:28.107" v="2484" actId="15"/>
-          <ac:spMkLst>
-            <pc:docMk/>
-            <pc:sldMk cId="2316541608" sldId="268"/>
-            <ac:spMk id="3" creationId="{49A7830E-6D9B-EC49-9016-BD2272F775B6}"/>
-          </ac:spMkLst>
-        </pc:spChg>
-        <pc:spChg chg="add mod">
-          <ac:chgData name="哲畅 薛" userId="45e028c3e641bd70" providerId="LiveId" clId="{29048D89-392C-4136-AD43-A5D50A0C1218}" dt="2023-07-05T12:45:12.297" v="2202"/>
-          <ac:spMkLst>
-            <pc:docMk/>
-            <pc:sldMk cId="2316541608" sldId="268"/>
-            <ac:spMk id="4" creationId="{D012ED1F-A5CE-F81A-427C-595577E1ED99}"/>
-          </ac:spMkLst>
-        </pc:spChg>
-        <pc:spChg chg="del">
-          <ac:chgData name="哲畅 薛" userId="45e028c3e641bd70" providerId="LiveId" clId="{29048D89-392C-4136-AD43-A5D50A0C1218}" dt="2023-07-05T12:45:11.181" v="2201" actId="478"/>
-          <ac:spMkLst>
-            <pc:docMk/>
-            <pc:sldMk cId="2316541608" sldId="268"/>
-            <ac:spMk id="7" creationId="{03878157-6918-D59A-3789-8DC2EB8E6F0C}"/>
-          </ac:spMkLst>
-        </pc:spChg>
-        <pc:spChg chg="add mod">
-          <ac:chgData name="哲畅 薛" userId="45e028c3e641bd70" providerId="LiveId" clId="{29048D89-392C-4136-AD43-A5D50A0C1218}" dt="2023-07-07T02:20:13.570" v="2511" actId="1076"/>
-          <ac:spMkLst>
-            <pc:docMk/>
-            <pc:sldMk cId="2316541608" sldId="268"/>
-            <ac:spMk id="7" creationId="{3227EFA6-1A3C-C83E-EF87-F8A51BF6E566}"/>
-          </ac:spMkLst>
-        </pc:spChg>
-        <pc:picChg chg="del">
-          <ac:chgData name="哲畅 薛" userId="45e028c3e641bd70" providerId="LiveId" clId="{29048D89-392C-4136-AD43-A5D50A0C1218}" dt="2023-06-28T20:40:38.834" v="206" actId="478"/>
-          <ac:picMkLst>
-            <pc:docMk/>
-            <pc:sldMk cId="2316541608" sldId="268"/>
-            <ac:picMk id="8" creationId="{76C46E2F-F1AF-A429-6666-9EE279401CC6}"/>
-          </ac:picMkLst>
-        </pc:picChg>
-        <pc:picChg chg="del mod">
-          <ac:chgData name="哲畅 薛" userId="45e028c3e641bd70" providerId="LiveId" clId="{29048D89-392C-4136-AD43-A5D50A0C1218}" dt="2023-06-28T20:40:38.494" v="205" actId="478"/>
-          <ac:picMkLst>
-            <pc:docMk/>
-            <pc:sldMk cId="2316541608" sldId="268"/>
-            <ac:picMk id="10" creationId="{2A102B00-BF3E-27F0-EF90-478364DF8F1B}"/>
-          </ac:picMkLst>
-        </pc:picChg>
-        <pc:picChg chg="del">
-          <ac:chgData name="哲畅 薛" userId="45e028c3e641bd70" providerId="LiveId" clId="{29048D89-392C-4136-AD43-A5D50A0C1218}" dt="2023-06-28T20:40:39.692" v="207" actId="478"/>
-          <ac:picMkLst>
-            <pc:docMk/>
-            <pc:sldMk cId="2316541608" sldId="268"/>
-            <ac:picMk id="12" creationId="{7F22F1EB-0E7C-499B-603F-79B38354698C}"/>
-          </ac:picMkLst>
-        </pc:picChg>
-        <pc:picChg chg="del">
-          <ac:chgData name="哲畅 薛" userId="45e028c3e641bd70" providerId="LiveId" clId="{29048D89-392C-4136-AD43-A5D50A0C1218}" dt="2023-06-28T20:40:40.047" v="208" actId="478"/>
-          <ac:picMkLst>
-            <pc:docMk/>
-            <pc:sldMk cId="2316541608" sldId="268"/>
-            <ac:picMk id="13" creationId="{B7F7F7C6-4ECC-F8CF-DB89-96ECF4D954EA}"/>
-          </ac:picMkLst>
-        </pc:picChg>
-      </pc:sldChg>
-      <pc:sldChg chg="addSp delSp modSp mod">
-        <pc:chgData name="哲畅 薛" userId="45e028c3e641bd70" providerId="LiveId" clId="{29048D89-392C-4136-AD43-A5D50A0C1218}" dt="2023-07-06T23:13:42.127" v="2234" actId="20577"/>
-        <pc:sldMkLst>
-          <pc:docMk/>
-          <pc:sldMk cId="3654397029" sldId="269"/>
-        </pc:sldMkLst>
-        <pc:spChg chg="mod">
-          <ac:chgData name="哲畅 薛" userId="45e028c3e641bd70" providerId="LiveId" clId="{29048D89-392C-4136-AD43-A5D50A0C1218}" dt="2023-07-06T23:13:36.189" v="2225" actId="20577"/>
-          <ac:spMkLst>
-            <pc:docMk/>
-            <pc:sldMk cId="3654397029" sldId="269"/>
-            <ac:spMk id="2" creationId="{D77A0549-EC48-084B-9491-8DBCF5888C38}"/>
-          </ac:spMkLst>
-        </pc:spChg>
-        <pc:spChg chg="add mod">
-          <ac:chgData name="哲畅 薛" userId="45e028c3e641bd70" providerId="LiveId" clId="{29048D89-392C-4136-AD43-A5D50A0C1218}" dt="2023-07-05T12:45:17.423" v="2205"/>
-          <ac:spMkLst>
-            <pc:docMk/>
-            <pc:sldMk cId="3654397029" sldId="269"/>
-            <ac:spMk id="3" creationId="{08CB117C-80F4-0D57-C772-EFE51479434C}"/>
-          </ac:spMkLst>
-        </pc:spChg>
-        <pc:spChg chg="mod">
-          <ac:chgData name="哲畅 薛" userId="45e028c3e641bd70" providerId="LiveId" clId="{29048D89-392C-4136-AD43-A5D50A0C1218}" dt="2023-07-06T23:13:42.127" v="2234" actId="20577"/>
-          <ac:spMkLst>
-            <pc:docMk/>
-            <pc:sldMk cId="3654397029" sldId="269"/>
-            <ac:spMk id="5" creationId="{445D3820-0C66-D04D-9162-C3447D297A63}"/>
-          </ac:spMkLst>
-        </pc:spChg>
-        <pc:spChg chg="del mod">
-          <ac:chgData name="哲畅 薛" userId="45e028c3e641bd70" providerId="LiveId" clId="{29048D89-392C-4136-AD43-A5D50A0C1218}" dt="2023-07-05T12:45:16.266" v="2204" actId="478"/>
-          <ac:spMkLst>
-            <pc:docMk/>
-            <pc:sldMk cId="3654397029" sldId="269"/>
-            <ac:spMk id="7" creationId="{03878157-6918-D59A-3789-8DC2EB8E6F0C}"/>
-          </ac:spMkLst>
-        </pc:spChg>
-      </pc:sldChg>
-      <pc:sldChg chg="addSp delSp modSp mod ord">
-        <pc:chgData name="哲畅 薛" userId="45e028c3e641bd70" providerId="LiveId" clId="{29048D89-392C-4136-AD43-A5D50A0C1218}" dt="2023-07-07T01:08:55.211" v="2252" actId="20577"/>
-        <pc:sldMkLst>
-          <pc:docMk/>
-          <pc:sldMk cId="3567624090" sldId="270"/>
-        </pc:sldMkLst>
-        <pc:spChg chg="mod">
-          <ac:chgData name="哲畅 薛" userId="45e028c3e641bd70" providerId="LiveId" clId="{29048D89-392C-4136-AD43-A5D50A0C1218}" dt="2023-07-06T23:14:54.545" v="2238" actId="20577"/>
-          <ac:spMkLst>
-            <pc:docMk/>
-            <pc:sldMk cId="3567624090" sldId="270"/>
-            <ac:spMk id="2" creationId="{D77A0549-EC48-084B-9491-8DBCF5888C38}"/>
-          </ac:spMkLst>
-        </pc:spChg>
-        <pc:spChg chg="mod">
-          <ac:chgData name="哲畅 薛" userId="45e028c3e641bd70" providerId="LiveId" clId="{29048D89-392C-4136-AD43-A5D50A0C1218}" dt="2023-07-07T01:08:55.211" v="2252" actId="20577"/>
-          <ac:spMkLst>
-            <pc:docMk/>
-            <pc:sldMk cId="3567624090" sldId="270"/>
-            <ac:spMk id="3" creationId="{49A7830E-6D9B-EC49-9016-BD2272F775B6}"/>
-          </ac:spMkLst>
-        </pc:spChg>
-        <pc:spChg chg="add mod">
-          <ac:chgData name="哲畅 薛" userId="45e028c3e641bd70" providerId="LiveId" clId="{29048D89-392C-4136-AD43-A5D50A0C1218}" dt="2023-07-05T12:45:25.688" v="2209"/>
-          <ac:spMkLst>
-            <pc:docMk/>
-            <pc:sldMk cId="3567624090" sldId="270"/>
-            <ac:spMk id="4" creationId="{FC272438-7D23-083E-7253-8E8A2ABF23A0}"/>
-          </ac:spMkLst>
-        </pc:spChg>
-        <pc:spChg chg="del">
-          <ac:chgData name="哲畅 薛" userId="45e028c3e641bd70" providerId="LiveId" clId="{29048D89-392C-4136-AD43-A5D50A0C1218}" dt="2023-07-05T12:45:24.667" v="2208" actId="478"/>
-          <ac:spMkLst>
-            <pc:docMk/>
-            <pc:sldMk cId="3567624090" sldId="270"/>
-            <ac:spMk id="7" creationId="{03878157-6918-D59A-3789-8DC2EB8E6F0C}"/>
-          </ac:spMkLst>
-        </pc:spChg>
-      </pc:sldChg>
-      <pc:sldChg chg="modSp del mod ord">
-        <pc:chgData name="哲畅 薛" userId="45e028c3e641bd70" providerId="LiveId" clId="{29048D89-392C-4136-AD43-A5D50A0C1218}" dt="2023-07-06T23:49:39.461" v="2240" actId="47"/>
-        <pc:sldMkLst>
-          <pc:docMk/>
-          <pc:sldMk cId="802925574" sldId="271"/>
-        </pc:sldMkLst>
-        <pc:spChg chg="mod">
-          <ac:chgData name="哲畅 薛" userId="45e028c3e641bd70" providerId="LiveId" clId="{29048D89-392C-4136-AD43-A5D50A0C1218}" dt="2023-06-30T00:59:45.817" v="469" actId="20577"/>
-          <ac:spMkLst>
-            <pc:docMk/>
-            <pc:sldMk cId="802925574" sldId="271"/>
-            <ac:spMk id="3" creationId="{49A7830E-6D9B-EC49-9016-BD2272F775B6}"/>
-          </ac:spMkLst>
-        </pc:spChg>
-      </pc:sldChg>
-      <pc:sldChg chg="addSp delSp modSp del mod ord">
-        <pc:chgData name="哲畅 薛" userId="45e028c3e641bd70" providerId="LiveId" clId="{29048D89-392C-4136-AD43-A5D50A0C1218}" dt="2023-07-06T23:49:39.461" v="2240" actId="47"/>
-        <pc:sldMkLst>
-          <pc:docMk/>
-          <pc:sldMk cId="3772656341" sldId="272"/>
-        </pc:sldMkLst>
-        <pc:picChg chg="del">
-          <ac:chgData name="哲畅 薛" userId="45e028c3e641bd70" providerId="LiveId" clId="{29048D89-392C-4136-AD43-A5D50A0C1218}" dt="2023-06-30T00:59:59.634" v="470" actId="478"/>
-          <ac:picMkLst>
-            <pc:docMk/>
-            <pc:sldMk cId="3772656341" sldId="272"/>
-            <ac:picMk id="8" creationId="{1B8004F3-AB23-58C0-826B-63E22EBD5441}"/>
-          </ac:picMkLst>
-        </pc:picChg>
-        <pc:picChg chg="add mod">
-          <ac:chgData name="哲畅 薛" userId="45e028c3e641bd70" providerId="LiveId" clId="{29048D89-392C-4136-AD43-A5D50A0C1218}" dt="2023-06-30T01:00:59.662" v="480" actId="1076"/>
-          <ac:picMkLst>
-            <pc:docMk/>
-            <pc:sldMk cId="3772656341" sldId="272"/>
-            <ac:picMk id="9" creationId="{F1141D2B-79C7-170C-B91A-FBDEC01D1C85}"/>
-          </ac:picMkLst>
-        </pc:picChg>
-        <pc:picChg chg="del">
-          <ac:chgData name="哲畅 薛" userId="45e028c3e641bd70" providerId="LiveId" clId="{29048D89-392C-4136-AD43-A5D50A0C1218}" dt="2023-06-30T01:00:00.016" v="471" actId="478"/>
-          <ac:picMkLst>
-            <pc:docMk/>
-            <pc:sldMk cId="3772656341" sldId="272"/>
-            <ac:picMk id="10" creationId="{4A76E724-1C41-138B-AAFA-92DA0D7ECA9F}"/>
-          </ac:picMkLst>
-        </pc:picChg>
-        <pc:picChg chg="add mod">
-          <ac:chgData name="哲畅 薛" userId="45e028c3e641bd70" providerId="LiveId" clId="{29048D89-392C-4136-AD43-A5D50A0C1218}" dt="2023-06-30T01:01:02.745" v="481" actId="1076"/>
-          <ac:picMkLst>
-            <pc:docMk/>
-            <pc:sldMk cId="3772656341" sldId="272"/>
-            <ac:picMk id="12" creationId="{310147C5-CA32-096E-EEEE-96B766A03EC5}"/>
-          </ac:picMkLst>
-        </pc:picChg>
-      </pc:sldChg>
-      <pc:sldChg chg="add del">
-        <pc:chgData name="哲畅 薛" userId="45e028c3e641bd70" providerId="LiveId" clId="{29048D89-392C-4136-AD43-A5D50A0C1218}" dt="2023-06-27T19:48:01.137" v="18" actId="47"/>
-        <pc:sldMkLst>
-          <pc:docMk/>
-          <pc:sldMk cId="424583044" sldId="273"/>
-        </pc:sldMkLst>
-      </pc:sldChg>
-      <pc:sldChg chg="addSp delSp modSp add mod ord">
-        <pc:chgData name="哲畅 薛" userId="45e028c3e641bd70" providerId="LiveId" clId="{29048D89-392C-4136-AD43-A5D50A0C1218}" dt="2023-07-05T12:45:07.926" v="2200"/>
-        <pc:sldMkLst>
-          <pc:docMk/>
-          <pc:sldMk cId="3472763388" sldId="273"/>
-        </pc:sldMkLst>
-        <pc:spChg chg="mod">
-          <ac:chgData name="哲畅 薛" userId="45e028c3e641bd70" providerId="LiveId" clId="{29048D89-392C-4136-AD43-A5D50A0C1218}" dt="2023-06-27T19:48:14.084" v="42" actId="20577"/>
-          <ac:spMkLst>
-            <pc:docMk/>
-            <pc:sldMk cId="3472763388" sldId="273"/>
-            <ac:spMk id="2" creationId="{D77A0549-EC48-084B-9491-8DBCF5888C38}"/>
-          </ac:spMkLst>
-        </pc:spChg>
-        <pc:spChg chg="mod">
-          <ac:chgData name="哲畅 薛" userId="45e028c3e641bd70" providerId="LiveId" clId="{29048D89-392C-4136-AD43-A5D50A0C1218}" dt="2023-06-28T20:38:32.359" v="163" actId="14100"/>
-          <ac:spMkLst>
-            <pc:docMk/>
-            <pc:sldMk cId="3472763388" sldId="273"/>
-            <ac:spMk id="3" creationId="{49A7830E-6D9B-EC49-9016-BD2272F775B6}"/>
-          </ac:spMkLst>
-        </pc:spChg>
-        <pc:spChg chg="del">
-          <ac:chgData name="哲畅 薛" userId="45e028c3e641bd70" providerId="LiveId" clId="{29048D89-392C-4136-AD43-A5D50A0C1218}" dt="2023-07-05T12:45:04.307" v="2199" actId="478"/>
-          <ac:spMkLst>
-            <pc:docMk/>
-            <pc:sldMk cId="3472763388" sldId="273"/>
-            <ac:spMk id="7" creationId="{03878157-6918-D59A-3789-8DC2EB8E6F0C}"/>
-          </ac:spMkLst>
-        </pc:spChg>
-        <pc:spChg chg="add mod">
-          <ac:chgData name="哲畅 薛" userId="45e028c3e641bd70" providerId="LiveId" clId="{29048D89-392C-4136-AD43-A5D50A0C1218}" dt="2023-07-05T12:45:07.926" v="2200"/>
-          <ac:spMkLst>
-            <pc:docMk/>
-            <pc:sldMk cId="3472763388" sldId="273"/>
-            <ac:spMk id="8" creationId="{BC16E34A-EFDE-AFE0-AEFB-1A79CAE0B4CD}"/>
-          </ac:spMkLst>
-        </pc:spChg>
-        <pc:spChg chg="add mod">
-          <ac:chgData name="哲畅 薛" userId="45e028c3e641bd70" providerId="LiveId" clId="{29048D89-392C-4136-AD43-A5D50A0C1218}" dt="2023-06-28T23:03:10.018" v="218" actId="1076"/>
-          <ac:spMkLst>
-            <pc:docMk/>
-            <pc:sldMk cId="3472763388" sldId="273"/>
-            <ac:spMk id="11" creationId="{26882410-F3E7-C903-DD6F-AC72B367BB30}"/>
-          </ac:spMkLst>
-        </pc:spChg>
-        <pc:spChg chg="add mod">
-          <ac:chgData name="哲畅 薛" userId="45e028c3e641bd70" providerId="LiveId" clId="{29048D89-392C-4136-AD43-A5D50A0C1218}" dt="2023-06-28T20:39:26.184" v="203" actId="1076"/>
-          <ac:spMkLst>
-            <pc:docMk/>
-            <pc:sldMk cId="3472763388" sldId="273"/>
-            <ac:spMk id="14" creationId="{D9C6B4DF-F4C3-614F-E340-B3A74D1CDBBE}"/>
-          </ac:spMkLst>
-        </pc:spChg>
-        <pc:picChg chg="add mod">
-          <ac:chgData name="哲畅 薛" userId="45e028c3e641bd70" providerId="LiveId" clId="{29048D89-392C-4136-AD43-A5D50A0C1218}" dt="2023-06-28T20:39:23.156" v="202" actId="1076"/>
-          <ac:picMkLst>
-            <pc:docMk/>
-            <pc:sldMk cId="3472763388" sldId="273"/>
-            <ac:picMk id="4" creationId="{9C2F477B-300C-5B51-2861-A5A3273D387B}"/>
-          </ac:picMkLst>
-        </pc:picChg>
-        <pc:picChg chg="del">
-          <ac:chgData name="哲畅 薛" userId="45e028c3e641bd70" providerId="LiveId" clId="{29048D89-392C-4136-AD43-A5D50A0C1218}" dt="2023-06-28T00:32:56.453" v="61" actId="478"/>
-          <ac:picMkLst>
-            <pc:docMk/>
-            <pc:sldMk cId="3472763388" sldId="273"/>
-            <ac:picMk id="8" creationId="{76C46E2F-F1AF-A429-6666-9EE279401CC6}"/>
-          </ac:picMkLst>
-        </pc:picChg>
-        <pc:picChg chg="add mod">
-          <ac:chgData name="哲畅 薛" userId="45e028c3e641bd70" providerId="LiveId" clId="{29048D89-392C-4136-AD43-A5D50A0C1218}" dt="2023-06-28T23:02:13.936" v="213" actId="1076"/>
-          <ac:picMkLst>
-            <pc:docMk/>
-            <pc:sldMk cId="3472763388" sldId="273"/>
-            <ac:picMk id="9" creationId="{5639710C-96FB-941D-AB19-A48CD9A39762}"/>
-          </ac:picMkLst>
-        </pc:picChg>
-        <pc:picChg chg="del">
-          <ac:chgData name="哲畅 薛" userId="45e028c3e641bd70" providerId="LiveId" clId="{29048D89-392C-4136-AD43-A5D50A0C1218}" dt="2023-06-28T00:32:56.117" v="60" actId="478"/>
-          <ac:picMkLst>
-            <pc:docMk/>
-            <pc:sldMk cId="3472763388" sldId="273"/>
-            <ac:picMk id="10" creationId="{2A102B00-BF3E-27F0-EF90-478364DF8F1B}"/>
-          </ac:picMkLst>
-        </pc:picChg>
-        <pc:picChg chg="del">
-          <ac:chgData name="哲畅 薛" userId="45e028c3e641bd70" providerId="LiveId" clId="{29048D89-392C-4136-AD43-A5D50A0C1218}" dt="2023-06-28T00:32:58.896" v="63" actId="478"/>
-          <ac:picMkLst>
-            <pc:docMk/>
-            <pc:sldMk cId="3472763388" sldId="273"/>
-            <ac:picMk id="12" creationId="{7F22F1EB-0E7C-499B-603F-79B38354698C}"/>
-          </ac:picMkLst>
-        </pc:picChg>
-        <pc:picChg chg="del">
-          <ac:chgData name="哲畅 薛" userId="45e028c3e641bd70" providerId="LiveId" clId="{29048D89-392C-4136-AD43-A5D50A0C1218}" dt="2023-06-28T00:32:56.868" v="62" actId="478"/>
-          <ac:picMkLst>
-            <pc:docMk/>
-            <pc:sldMk cId="3472763388" sldId="273"/>
-            <ac:picMk id="13" creationId="{B7F7F7C6-4ECC-F8CF-DB89-96ECF4D954EA}"/>
-          </ac:picMkLst>
-        </pc:picChg>
-        <pc:picChg chg="add mod">
-          <ac:chgData name="哲畅 薛" userId="45e028c3e641bd70" providerId="LiveId" clId="{29048D89-392C-4136-AD43-A5D50A0C1218}" dt="2023-06-28T23:03:10.691" v="219" actId="1076"/>
-          <ac:picMkLst>
-            <pc:docMk/>
-            <pc:sldMk cId="3472763388" sldId="273"/>
-            <ac:picMk id="15" creationId="{235D409A-D46C-B7D1-845F-AEC5724A9CB9}"/>
-          </ac:picMkLst>
-        </pc:picChg>
-      </pc:sldChg>
-      <pc:sldChg chg="add del">
-        <pc:chgData name="哲畅 薛" userId="45e028c3e641bd70" providerId="LiveId" clId="{29048D89-392C-4136-AD43-A5D50A0C1218}" dt="2023-06-27T19:48:01.915" v="19" actId="47"/>
-        <pc:sldMkLst>
-          <pc:docMk/>
-          <pc:sldMk cId="1547856490" sldId="274"/>
-        </pc:sldMkLst>
-      </pc:sldChg>
-      <pc:sldChg chg="addSp delSp modSp add mod ord">
-        <pc:chgData name="哲畅 薛" userId="45e028c3e641bd70" providerId="LiveId" clId="{29048D89-392C-4136-AD43-A5D50A0C1218}" dt="2023-07-07T01:08:32.214" v="2242" actId="20577"/>
-        <pc:sldMkLst>
-          <pc:docMk/>
-          <pc:sldMk cId="2057791560" sldId="274"/>
-        </pc:sldMkLst>
-        <pc:spChg chg="mod">
-          <ac:chgData name="哲畅 薛" userId="45e028c3e641bd70" providerId="LiveId" clId="{29048D89-392C-4136-AD43-A5D50A0C1218}" dt="2023-07-06T23:12:49.126" v="2223"/>
-          <ac:spMkLst>
-            <pc:docMk/>
-            <pc:sldMk cId="2057791560" sldId="274"/>
-            <ac:spMk id="2" creationId="{D77A0549-EC48-084B-9491-8DBCF5888C38}"/>
-          </ac:spMkLst>
-        </pc:spChg>
-        <pc:spChg chg="mod">
-          <ac:chgData name="哲畅 薛" userId="45e028c3e641bd70" providerId="LiveId" clId="{29048D89-392C-4136-AD43-A5D50A0C1218}" dt="2023-07-07T01:08:32.214" v="2242" actId="20577"/>
-          <ac:spMkLst>
-            <pc:docMk/>
-            <pc:sldMk cId="2057791560" sldId="274"/>
-            <ac:spMk id="3" creationId="{49A7830E-6D9B-EC49-9016-BD2272F775B6}"/>
-          </ac:spMkLst>
-        </pc:spChg>
-        <pc:spChg chg="add mod">
-          <ac:chgData name="哲畅 薛" userId="45e028c3e641bd70" providerId="LiveId" clId="{29048D89-392C-4136-AD43-A5D50A0C1218}" dt="2023-07-05T12:45:21.603" v="2207"/>
-          <ac:spMkLst>
-            <pc:docMk/>
-            <pc:sldMk cId="2057791560" sldId="274"/>
-            <ac:spMk id="4" creationId="{D2838CC1-66F0-3C0B-DDFC-EDB572510BA3}"/>
-          </ac:spMkLst>
-        </pc:spChg>
-        <pc:spChg chg="mod">
-          <ac:chgData name="哲畅 薛" userId="45e028c3e641bd70" providerId="LiveId" clId="{29048D89-392C-4136-AD43-A5D50A0C1218}" dt="2023-07-06T23:14:38.005" v="2237"/>
-          <ac:spMkLst>
-            <pc:docMk/>
-            <pc:sldMk cId="2057791560" sldId="274"/>
-            <ac:spMk id="5" creationId="{445D3820-0C66-D04D-9162-C3447D297A63}"/>
-          </ac:spMkLst>
-        </pc:spChg>
-        <pc:spChg chg="del">
-          <ac:chgData name="哲畅 薛" userId="45e028c3e641bd70" providerId="LiveId" clId="{29048D89-392C-4136-AD43-A5D50A0C1218}" dt="2023-07-05T12:45:20.630" v="2206" actId="478"/>
-          <ac:spMkLst>
-            <pc:docMk/>
-            <pc:sldMk cId="2057791560" sldId="274"/>
-            <ac:spMk id="7" creationId="{03878157-6918-D59A-3789-8DC2EB8E6F0C}"/>
-          </ac:spMkLst>
-        </pc:spChg>
-      </pc:sldChg>
-      <pc:sldChg chg="addSp delSp modSp add del mod ord">
-        <pc:chgData name="哲畅 薛" userId="45e028c3e641bd70" providerId="LiveId" clId="{29048D89-392C-4136-AD43-A5D50A0C1218}" dt="2023-07-06T23:49:39.461" v="2240" actId="47"/>
-        <pc:sldMkLst>
-          <pc:docMk/>
-          <pc:sldMk cId="726427121" sldId="275"/>
-        </pc:sldMkLst>
-        <pc:spChg chg="mod">
-          <ac:chgData name="哲畅 薛" userId="45e028c3e641bd70" providerId="LiveId" clId="{29048D89-392C-4136-AD43-A5D50A0C1218}" dt="2023-06-30T00:21:05.752" v="241" actId="20577"/>
-          <ac:spMkLst>
-            <pc:docMk/>
-            <pc:sldMk cId="726427121" sldId="275"/>
-            <ac:spMk id="2" creationId="{D77A0549-EC48-084B-9491-8DBCF5888C38}"/>
-          </ac:spMkLst>
-        </pc:spChg>
-        <pc:spChg chg="mod">
-          <ac:chgData name="哲畅 薛" userId="45e028c3e641bd70" providerId="LiveId" clId="{29048D89-392C-4136-AD43-A5D50A0C1218}" dt="2023-06-30T01:04:10.987" v="579" actId="1076"/>
-          <ac:spMkLst>
-            <pc:docMk/>
-            <pc:sldMk cId="726427121" sldId="275"/>
-            <ac:spMk id="3" creationId="{49A7830E-6D9B-EC49-9016-BD2272F775B6}"/>
-          </ac:spMkLst>
-        </pc:spChg>
-        <pc:spChg chg="add mod">
-          <ac:chgData name="哲畅 薛" userId="45e028c3e641bd70" providerId="LiveId" clId="{29048D89-392C-4136-AD43-A5D50A0C1218}" dt="2023-06-30T00:21:15.263" v="244" actId="478"/>
-          <ac:spMkLst>
-            <pc:docMk/>
-            <pc:sldMk cId="726427121" sldId="275"/>
-            <ac:spMk id="4" creationId="{E206E363-21F9-17A8-921A-156221502DA2}"/>
-          </ac:spMkLst>
-        </pc:spChg>
-        <pc:spChg chg="del">
-          <ac:chgData name="哲畅 薛" userId="45e028c3e641bd70" providerId="LiveId" clId="{29048D89-392C-4136-AD43-A5D50A0C1218}" dt="2023-06-30T00:21:15.263" v="244" actId="478"/>
-          <ac:spMkLst>
-            <pc:docMk/>
-            <pc:sldMk cId="726427121" sldId="275"/>
-            <ac:spMk id="5" creationId="{445D3820-0C66-D04D-9162-C3447D297A63}"/>
-          </ac:spMkLst>
-        </pc:spChg>
-        <pc:spChg chg="add mod">
-          <ac:chgData name="哲畅 薛" userId="45e028c3e641bd70" providerId="LiveId" clId="{29048D89-392C-4136-AD43-A5D50A0C1218}" dt="2023-07-05T12:45:47.205" v="2212"/>
-          <ac:spMkLst>
-            <pc:docMk/>
-            <pc:sldMk cId="726427121" sldId="275"/>
-            <ac:spMk id="5" creationId="{534482DA-A823-66A0-7C90-AB5564F02CBB}"/>
-          </ac:spMkLst>
-        </pc:spChg>
-        <pc:spChg chg="del">
-          <ac:chgData name="哲畅 薛" userId="45e028c3e641bd70" providerId="LiveId" clId="{29048D89-392C-4136-AD43-A5D50A0C1218}" dt="2023-07-05T12:45:45.248" v="2210" actId="478"/>
-          <ac:spMkLst>
-            <pc:docMk/>
-            <pc:sldMk cId="726427121" sldId="275"/>
-            <ac:spMk id="7" creationId="{03878157-6918-D59A-3789-8DC2EB8E6F0C}"/>
-          </ac:spMkLst>
-        </pc:spChg>
-        <pc:spChg chg="add mod">
-          <ac:chgData name="哲畅 薛" userId="45e028c3e641bd70" providerId="LiveId" clId="{29048D89-392C-4136-AD43-A5D50A0C1218}" dt="2023-06-30T01:16:10.868" v="608"/>
-          <ac:spMkLst>
-            <pc:docMk/>
-            <pc:sldMk cId="726427121" sldId="275"/>
-            <ac:spMk id="11" creationId="{E68255C0-EA15-376A-7ED7-BF2CB20F0FD3}"/>
-          </ac:spMkLst>
-        </pc:spChg>
-        <pc:picChg chg="del">
-          <ac:chgData name="哲畅 薛" userId="45e028c3e641bd70" providerId="LiveId" clId="{29048D89-392C-4136-AD43-A5D50A0C1218}" dt="2023-06-30T00:20:58.096" v="221" actId="478"/>
-          <ac:picMkLst>
-            <pc:docMk/>
-            <pc:sldMk cId="726427121" sldId="275"/>
-            <ac:picMk id="8" creationId="{1B8004F3-AB23-58C0-826B-63E22EBD5441}"/>
-          </ac:picMkLst>
-        </pc:picChg>
-        <pc:picChg chg="del mod">
-          <ac:chgData name="哲畅 薛" userId="45e028c3e641bd70" providerId="LiveId" clId="{29048D89-392C-4136-AD43-A5D50A0C1218}" dt="2023-06-30T00:20:58.471" v="223" actId="478"/>
-          <ac:picMkLst>
-            <pc:docMk/>
-            <pc:sldMk cId="726427121" sldId="275"/>
-            <ac:picMk id="10" creationId="{4A76E724-1C41-138B-AAFA-92DA0D7ECA9F}"/>
-          </ac:picMkLst>
-        </pc:picChg>
-      </pc:sldChg>
-      <pc:sldChg chg="addSp delSp modSp add del mod ord">
-        <pc:chgData name="哲畅 薛" userId="45e028c3e641bd70" providerId="LiveId" clId="{29048D89-392C-4136-AD43-A5D50A0C1218}" dt="2023-07-06T23:49:39.461" v="2240" actId="47"/>
-        <pc:sldMkLst>
-          <pc:docMk/>
-          <pc:sldMk cId="2129779886" sldId="276"/>
-        </pc:sldMkLst>
-        <pc:spChg chg="mod">
-          <ac:chgData name="哲畅 薛" userId="45e028c3e641bd70" providerId="LiveId" clId="{29048D89-392C-4136-AD43-A5D50A0C1218}" dt="2023-06-30T01:17:40.927" v="623"/>
-          <ac:spMkLst>
-            <pc:docMk/>
-            <pc:sldMk cId="2129779886" sldId="276"/>
-            <ac:spMk id="2" creationId="{D77A0549-EC48-084B-9491-8DBCF5888C38}"/>
-          </ac:spMkLst>
-        </pc:spChg>
-        <pc:spChg chg="del">
-          <ac:chgData name="哲畅 薛" userId="45e028c3e641bd70" providerId="LiveId" clId="{29048D89-392C-4136-AD43-A5D50A0C1218}" dt="2023-06-30T01:16:40.662" v="616" actId="478"/>
-          <ac:spMkLst>
-            <pc:docMk/>
-            <pc:sldMk cId="2129779886" sldId="276"/>
-            <ac:spMk id="3" creationId="{49A7830E-6D9B-EC49-9016-BD2272F775B6}"/>
-          </ac:spMkLst>
-        </pc:spChg>
-        <pc:spChg chg="add mod">
-          <ac:chgData name="哲畅 薛" userId="45e028c3e641bd70" providerId="LiveId" clId="{29048D89-392C-4136-AD43-A5D50A0C1218}" dt="2023-06-30T02:06:09.364" v="1774" actId="20577"/>
-          <ac:spMkLst>
-            <pc:docMk/>
-            <pc:sldMk cId="2129779886" sldId="276"/>
-            <ac:spMk id="5" creationId="{EBD62F1D-AD76-FDC9-FB31-E6A329838CBF}"/>
-          </ac:spMkLst>
-        </pc:spChg>
-        <pc:spChg chg="del mod">
-          <ac:chgData name="哲畅 薛" userId="45e028c3e641bd70" providerId="LiveId" clId="{29048D89-392C-4136-AD43-A5D50A0C1218}" dt="2023-06-30T01:16:40.662" v="618"/>
-          <ac:spMkLst>
-            <pc:docMk/>
-            <pc:sldMk cId="2129779886" sldId="276"/>
-            <ac:spMk id="11" creationId="{E68255C0-EA15-376A-7ED7-BF2CB20F0FD3}"/>
-          </ac:spMkLst>
-        </pc:spChg>
-      </pc:sldChg>
-      <pc:sldChg chg="modSp add del mod ord">
-        <pc:chgData name="哲畅 薛" userId="45e028c3e641bd70" providerId="LiveId" clId="{29048D89-392C-4136-AD43-A5D50A0C1218}" dt="2023-06-30T01:17:44.766" v="624" actId="47"/>
-        <pc:sldMkLst>
-          <pc:docMk/>
-          <pc:sldMk cId="3401759390" sldId="277"/>
-        </pc:sldMkLst>
-        <pc:spChg chg="mod">
-          <ac:chgData name="哲畅 薛" userId="45e028c3e641bd70" providerId="LiveId" clId="{29048D89-392C-4136-AD43-A5D50A0C1218}" dt="2023-06-30T01:17:33.986" v="621"/>
-          <ac:spMkLst>
-            <pc:docMk/>
-            <pc:sldMk cId="3401759390" sldId="277"/>
-            <ac:spMk id="2" creationId="{D77A0549-EC48-084B-9491-8DBCF5888C38}"/>
-          </ac:spMkLst>
-        </pc:spChg>
-      </pc:sldChg>
-      <pc:sldChg chg="modSp add del mod">
-        <pc:chgData name="哲畅 薛" userId="45e028c3e641bd70" providerId="LiveId" clId="{29048D89-392C-4136-AD43-A5D50A0C1218}" dt="2023-07-06T23:49:39.461" v="2240" actId="47"/>
-        <pc:sldMkLst>
-          <pc:docMk/>
-          <pc:sldMk cId="3890748340" sldId="277"/>
-        </pc:sldMkLst>
-        <pc:spChg chg="mod">
-          <ac:chgData name="哲畅 薛" userId="45e028c3e641bd70" providerId="LiveId" clId="{29048D89-392C-4136-AD43-A5D50A0C1218}" dt="2023-06-30T01:18:25.139" v="655" actId="20577"/>
-          <ac:spMkLst>
-            <pc:docMk/>
-            <pc:sldMk cId="3890748340" sldId="277"/>
-            <ac:spMk id="2" creationId="{D77A0549-EC48-084B-9491-8DBCF5888C38}"/>
-          </ac:spMkLst>
-        </pc:spChg>
-        <pc:spChg chg="mod">
-          <ac:chgData name="哲畅 薛" userId="45e028c3e641bd70" providerId="LiveId" clId="{29048D89-392C-4136-AD43-A5D50A0C1218}" dt="2023-06-30T02:26:36.356" v="1951" actId="5793"/>
-          <ac:spMkLst>
-            <pc:docMk/>
-            <pc:sldMk cId="3890748340" sldId="277"/>
-            <ac:spMk id="5" creationId="{EBD62F1D-AD76-FDC9-FB31-E6A329838CBF}"/>
-          </ac:spMkLst>
-        </pc:spChg>
-      </pc:sldChg>
-      <pc:sldChg chg="modSp add del mod ord">
-        <pc:chgData name="哲畅 薛" userId="45e028c3e641bd70" providerId="LiveId" clId="{29048D89-392C-4136-AD43-A5D50A0C1218}" dt="2023-07-06T23:49:39.461" v="2240" actId="47"/>
-        <pc:sldMkLst>
-          <pc:docMk/>
-          <pc:sldMk cId="2860042330" sldId="278"/>
-        </pc:sldMkLst>
-        <pc:spChg chg="mod">
-          <ac:chgData name="哲畅 薛" userId="45e028c3e641bd70" providerId="LiveId" clId="{29048D89-392C-4136-AD43-A5D50A0C1218}" dt="2023-06-30T01:18:49.059" v="675" actId="20577"/>
-          <ac:spMkLst>
-            <pc:docMk/>
-            <pc:sldMk cId="2860042330" sldId="278"/>
-            <ac:spMk id="2" creationId="{D77A0549-EC48-084B-9491-8DBCF5888C38}"/>
-          </ac:spMkLst>
-        </pc:spChg>
-        <pc:spChg chg="mod">
-          <ac:chgData name="哲畅 薛" userId="45e028c3e641bd70" providerId="LiveId" clId="{29048D89-392C-4136-AD43-A5D50A0C1218}" dt="2023-06-30T09:45:17.196" v="2068" actId="20577"/>
-          <ac:spMkLst>
-            <pc:docMk/>
-            <pc:sldMk cId="2860042330" sldId="278"/>
-            <ac:spMk id="5" creationId="{EBD62F1D-AD76-FDC9-FB31-E6A329838CBF}"/>
-          </ac:spMkLst>
-        </pc:spChg>
       </pc:sldChg>
     </pc:docChg>
   </pc:docChgLst>
@@ -6847,36 +6847,6 @@
           </a:p>
         </p:txBody>
       </p:sp>
-      <p:pic>
-        <p:nvPicPr>
-          <p:cNvPr id="4" name="图片 3">
-            <a:extLst>
-              <a:ext uri="{FF2B5EF4-FFF2-40B4-BE49-F238E27FC236}">
-                <a16:creationId xmlns:a16="http://schemas.microsoft.com/office/drawing/2014/main" id="{9C2F477B-300C-5B51-2861-A5A3273D387B}"/>
-              </a:ext>
-            </a:extLst>
-          </p:cNvPr>
-          <p:cNvPicPr>
-            <a:picLocks noChangeAspect="1"/>
-          </p:cNvPicPr>
-          <p:nvPr/>
-        </p:nvPicPr>
-        <p:blipFill>
-          <a:blip r:embed="rId2"/>
-          <a:stretch>
-            <a:fillRect/>
-          </a:stretch>
-        </p:blipFill>
-        <p:spPr>
-          <a:xfrm>
-            <a:off x="9721836" y="1628800"/>
-            <a:ext cx="1519436" cy="1519436"/>
-          </a:xfrm>
-          <a:prstGeom prst="rect">
-            <a:avLst/>
-          </a:prstGeom>
-        </p:spPr>
-      </p:pic>
       <p:sp>
         <p:nvSpPr>
           <p:cNvPr id="8" name="内容占位符 7">
@@ -7062,15 +7032,15 @@
           <p:nvPr/>
         </p:nvPicPr>
         <p:blipFill>
-          <a:blip r:embed="rId3"/>
+          <a:blip r:embed="rId2"/>
           <a:stretch>
             <a:fillRect/>
           </a:stretch>
         </p:blipFill>
         <p:spPr>
           <a:xfrm>
-            <a:off x="1317894" y="4196057"/>
-            <a:ext cx="4805408" cy="1727491"/>
+            <a:off x="6240016" y="4040741"/>
+            <a:ext cx="5237456" cy="1882807"/>
           </a:xfrm>
           <a:prstGeom prst="rect">
             <a:avLst/>

--- a/18.08_introduction.pptx
+++ b/18.08_introduction.pptx
@@ -3238,7 +3238,7 @@
           </a:ln>
           <a:extLst>
             <a:ext uri="{909E8E84-426E-40dd-AFC4-6F175D3DCCD1}">
-              <a14:hiddenFill xmlns:a14="http://schemas.microsoft.com/office/drawing/2010/main" xmlns="">
+              <a14:hiddenFill xmlns="" xmlns:a14="http://schemas.microsoft.com/office/drawing/2010/main">
                 <a:noFill/>
               </a14:hiddenFill>
             </a:ext>
@@ -3646,14 +3646,14 @@
           </a:ln>
           <a:extLst>
             <a:ext uri="{909E8E84-426E-40dd-AFC4-6F175D3DCCD1}">
-              <a14:hiddenFill xmlns:a14="http://schemas.microsoft.com/office/drawing/2010/main" xmlns="">
+              <a14:hiddenFill xmlns="" xmlns:a14="http://schemas.microsoft.com/office/drawing/2010/main">
                 <a:solidFill>
                   <a:srgbClr val="FFFFFF"/>
                 </a:solidFill>
               </a14:hiddenFill>
             </a:ext>
             <a:ext uri="{91240B29-F687-4f45-9708-019B960494DF}">
-              <a14:hiddenLine xmlns:a14="http://schemas.microsoft.com/office/drawing/2010/main" xmlns="" w="9525">
+              <a14:hiddenLine xmlns="" xmlns:a14="http://schemas.microsoft.com/office/drawing/2010/main" w="9525">
                 <a:solidFill>
                   <a:srgbClr val="000000"/>
                 </a:solidFill>
@@ -4507,7 +4507,7 @@
           </a:ln>
           <a:extLst>
             <a:ext uri="{909E8E84-426E-40dd-AFC4-6F175D3DCCD1}">
-              <a14:hiddenFill xmlns:a14="http://schemas.microsoft.com/office/drawing/2010/main" xmlns="">
+              <a14:hiddenFill xmlns="" xmlns:a14="http://schemas.microsoft.com/office/drawing/2010/main">
                 <a:noFill/>
               </a14:hiddenFill>
             </a:ext>
@@ -4601,7 +4601,7 @@
           </a:ln>
           <a:extLst>
             <a:ext uri="{909E8E84-426E-40dd-AFC4-6F175D3DCCD1}">
-              <a14:hiddenFill xmlns:a14="http://schemas.microsoft.com/office/drawing/2010/main" xmlns="">
+              <a14:hiddenFill xmlns="" xmlns:a14="http://schemas.microsoft.com/office/drawing/2010/main">
                 <a:noFill/>
               </a14:hiddenFill>
             </a:ext>
@@ -4726,7 +4726,7 @@
             <a:fld id="{FA390034-B22F-454C-98D5-B3B46940354E}" type="datetime1">
               <a:rPr lang="de-DE" altLang="de-DE" sz="1200"/>
               <a:pPr algn="ctr"/>
-              <a:t>18.08.2023</a:t>
+              <a:t>31.08.2023</a:t>
             </a:fld>
             <a:endParaRPr lang="de-DE" altLang="de-DE" sz="1200" dirty="0"/>
           </a:p>
@@ -4759,7 +4759,7 @@
           </a:ln>
           <a:extLst>
             <a:ext uri="{909E8E84-426E-40dd-AFC4-6F175D3DCCD1}">
-              <a14:hiddenFill xmlns:a14="http://schemas.microsoft.com/office/drawing/2010/main" xmlns="">
+              <a14:hiddenFill xmlns="" xmlns:a14="http://schemas.microsoft.com/office/drawing/2010/main">
                 <a:noFill/>
               </a14:hiddenFill>
             </a:ext>
@@ -4894,14 +4894,14 @@
             </a:ln>
             <a:extLst>
               <a:ext uri="{909E8E84-426E-40dd-AFC4-6F175D3DCCD1}">
-                <a14:hiddenFill xmlns:a14="http://schemas.microsoft.com/office/drawing/2010/main" xmlns="">
+                <a14:hiddenFill xmlns="" xmlns:a14="http://schemas.microsoft.com/office/drawing/2010/main">
                   <a:solidFill>
                     <a:srgbClr val="FFFFFF"/>
                   </a:solidFill>
                 </a14:hiddenFill>
               </a:ext>
               <a:ext uri="{91240B29-F687-4f45-9708-019B960494DF}">
-                <a14:hiddenLine xmlns:a14="http://schemas.microsoft.com/office/drawing/2010/main" xmlns="" w="9525">
+                <a14:hiddenLine xmlns="" xmlns:a14="http://schemas.microsoft.com/office/drawing/2010/main" w="9525">
                   <a:solidFill>
                     <a:srgbClr val="000000"/>
                   </a:solidFill>
@@ -5785,16 +5785,16 @@
               </a:lnSpc>
             </a:pPr>
             <a:r>
+              <a:rPr lang="en-US" altLang="zh-CN" sz="2200" dirty="0" err="1"/>
+              <a:t>E</a:t>
+            </a:r>
+            <a:r>
+              <a:rPr lang="en-US" altLang="de-DE" sz="2200" dirty="0" err="1"/>
+              <a:t>xplanable</a:t>
+            </a:r>
+            <a:r>
               <a:rPr lang="en-US" altLang="de-DE" sz="2200" dirty="0"/>
-              <a:t>Generate explanations for time-series classif</a:t>
-            </a:r>
-            <a:r>
-              <a:rPr lang="en-US" altLang="zh-CN" sz="2200" dirty="0"/>
-              <a:t>ication</a:t>
-            </a:r>
-            <a:r>
-              <a:rPr lang="en-US" altLang="de-DE" sz="2200" dirty="0"/>
-              <a:t> by ChatGPT</a:t>
+              <a:t> model for time-series via ChatGPT</a:t>
             </a:r>
             <a:br>
               <a:rPr lang="en-US" altLang="de-DE" sz="2200" dirty="0"/>
@@ -6207,16 +6207,16 @@
           <a:lstStyle/>
           <a:p>
             <a:r>
-              <a:rPr lang="en-US" altLang="de-DE" sz="1800" kern="0" dirty="0"/>
-              <a:t>Generate explanations for time-series classif</a:t>
-            </a:r>
-            <a:r>
-              <a:rPr lang="en-US" altLang="zh-CN" sz="1800" kern="0" dirty="0"/>
-              <a:t>ication</a:t>
-            </a:r>
-            <a:r>
-              <a:rPr lang="en-US" altLang="de-DE" sz="1800" kern="0" dirty="0"/>
-              <a:t> by ChatGPT</a:t>
+              <a:rPr lang="en-US" altLang="zh-CN" sz="1800" dirty="0" err="1"/>
+              <a:t>E</a:t>
+            </a:r>
+            <a:r>
+              <a:rPr lang="en-US" altLang="de-DE" sz="1800" dirty="0" err="1"/>
+              <a:t>xplanable</a:t>
+            </a:r>
+            <a:r>
+              <a:rPr lang="en-US" altLang="de-DE" sz="1800" dirty="0"/>
+              <a:t> model for time-series via ChatGPT</a:t>
             </a:r>
             <a:endParaRPr lang="zh-CN" altLang="en-US" dirty="0"/>
           </a:p>
@@ -6668,16 +6668,16 @@
           <a:lstStyle/>
           <a:p>
             <a:r>
-              <a:rPr lang="en-US" altLang="de-DE" sz="1800" kern="0" dirty="0"/>
-              <a:t>Generate explanations for time-series classif</a:t>
-            </a:r>
-            <a:r>
-              <a:rPr lang="en-US" altLang="zh-CN" sz="1800" kern="0" dirty="0"/>
-              <a:t>ication</a:t>
-            </a:r>
-            <a:r>
-              <a:rPr lang="en-US" altLang="de-DE" sz="1800" kern="0" dirty="0"/>
-              <a:t> by ChatGPT</a:t>
+              <a:rPr lang="en-US" altLang="zh-CN" sz="1800" dirty="0" err="1"/>
+              <a:t>E</a:t>
+            </a:r>
+            <a:r>
+              <a:rPr lang="en-US" altLang="de-DE" sz="1800" dirty="0" err="1"/>
+              <a:t>xplanable</a:t>
+            </a:r>
+            <a:r>
+              <a:rPr lang="en-US" altLang="de-DE" sz="1800" dirty="0"/>
+              <a:t> model for time-series via ChatGPT</a:t>
             </a:r>
             <a:endParaRPr lang="zh-CN" altLang="en-US" dirty="0"/>
           </a:p>
@@ -6869,16 +6869,16 @@
           <a:lstStyle/>
           <a:p>
             <a:r>
-              <a:rPr lang="en-US" altLang="de-DE" sz="1800" kern="0" dirty="0"/>
-              <a:t>Generate explanations for time-series classif</a:t>
-            </a:r>
-            <a:r>
-              <a:rPr lang="en-US" altLang="zh-CN" sz="1800" kern="0" dirty="0"/>
-              <a:t>ication</a:t>
-            </a:r>
-            <a:r>
-              <a:rPr lang="en-US" altLang="de-DE" sz="1800" kern="0" dirty="0"/>
-              <a:t> by ChatGPT</a:t>
+              <a:rPr lang="en-US" altLang="zh-CN" sz="1800" dirty="0" err="1"/>
+              <a:t>E</a:t>
+            </a:r>
+            <a:r>
+              <a:rPr lang="en-US" altLang="de-DE" sz="1800" dirty="0" err="1"/>
+              <a:t>xplanable</a:t>
+            </a:r>
+            <a:r>
+              <a:rPr lang="en-US" altLang="de-DE" sz="1800" dirty="0"/>
+              <a:t> model for time-series via ChatGPT</a:t>
             </a:r>
             <a:endParaRPr lang="zh-CN" altLang="en-US" dirty="0"/>
           </a:p>
@@ -8161,16 +8161,16 @@
           <a:lstStyle/>
           <a:p>
             <a:r>
-              <a:rPr lang="en-US" altLang="de-DE" sz="1800" kern="0" dirty="0"/>
-              <a:t>Generate explanations for time-series classif</a:t>
-            </a:r>
-            <a:r>
-              <a:rPr lang="en-US" altLang="zh-CN" sz="1800" kern="0" dirty="0"/>
-              <a:t>ication</a:t>
-            </a:r>
-            <a:r>
-              <a:rPr lang="en-US" altLang="de-DE" sz="1800" kern="0" dirty="0"/>
-              <a:t> by ChatGPT</a:t>
+              <a:rPr lang="en-US" altLang="zh-CN" sz="1800" dirty="0" err="1"/>
+              <a:t>E</a:t>
+            </a:r>
+            <a:r>
+              <a:rPr lang="en-US" altLang="de-DE" sz="1800" dirty="0" err="1"/>
+              <a:t>xplanable</a:t>
+            </a:r>
+            <a:r>
+              <a:rPr lang="en-US" altLang="de-DE" sz="1800" dirty="0"/>
+              <a:t> model for time-series via ChatGPT</a:t>
             </a:r>
             <a:endParaRPr lang="zh-CN" altLang="en-US" dirty="0"/>
           </a:p>
@@ -8331,16 +8331,16 @@
           <a:lstStyle/>
           <a:p>
             <a:r>
-              <a:rPr lang="en-US" altLang="de-DE" sz="1800" kern="0" dirty="0"/>
-              <a:t>Generate explanations for time-series classif</a:t>
-            </a:r>
-            <a:r>
-              <a:rPr lang="en-US" altLang="zh-CN" sz="1800" kern="0" dirty="0"/>
-              <a:t>ication</a:t>
-            </a:r>
-            <a:r>
-              <a:rPr lang="en-US" altLang="de-DE" sz="1800" kern="0" dirty="0"/>
-              <a:t> by ChatGPT</a:t>
+              <a:rPr lang="en-US" altLang="zh-CN" sz="1800" dirty="0" err="1"/>
+              <a:t>E</a:t>
+            </a:r>
+            <a:r>
+              <a:rPr lang="en-US" altLang="de-DE" sz="1800" dirty="0" err="1"/>
+              <a:t>xplanable</a:t>
+            </a:r>
+            <a:r>
+              <a:rPr lang="en-US" altLang="de-DE" sz="1800" dirty="0"/>
+              <a:t> model for time-series via ChatGPT</a:t>
             </a:r>
             <a:endParaRPr lang="zh-CN" altLang="en-US" dirty="0"/>
           </a:p>
@@ -8646,16 +8646,16 @@
           <a:lstStyle/>
           <a:p>
             <a:r>
-              <a:rPr lang="en-US" altLang="de-DE" sz="1800" kern="0" dirty="0"/>
-              <a:t>Generate explanations for time-series classif</a:t>
-            </a:r>
-            <a:r>
-              <a:rPr lang="en-US" altLang="zh-CN" sz="1800" kern="0" dirty="0"/>
-              <a:t>ication</a:t>
-            </a:r>
-            <a:r>
-              <a:rPr lang="en-US" altLang="de-DE" sz="1800" kern="0" dirty="0"/>
-              <a:t> by ChatGPT</a:t>
+              <a:rPr lang="en-US" altLang="zh-CN" sz="1800" dirty="0" err="1"/>
+              <a:t>E</a:t>
+            </a:r>
+            <a:r>
+              <a:rPr lang="en-US" altLang="de-DE" sz="1800" dirty="0" err="1"/>
+              <a:t>xplanable</a:t>
+            </a:r>
+            <a:r>
+              <a:rPr lang="en-US" altLang="de-DE" sz="1800"/>
+              <a:t> model for time-series via ChatGPT</a:t>
             </a:r>
             <a:endParaRPr lang="zh-CN" altLang="en-US" dirty="0"/>
           </a:p>
